--- a/Предзащита/___СентябрьФинал/done/_Презентация_v03.pptx
+++ b/Предзащита/___СентябрьФинал/done/_Презентация_v03.pptx
@@ -19,9 +19,9 @@
     <p:sldId id="305" r:id="rId7"/>
     <p:sldId id="312" r:id="rId8"/>
     <p:sldId id="313" r:id="rId9"/>
-    <p:sldId id="306" r:id="rId10"/>
-    <p:sldId id="307" r:id="rId11"/>
-    <p:sldId id="309" r:id="rId12"/>
+    <p:sldId id="307" r:id="rId10"/>
+    <p:sldId id="309" r:id="rId11"/>
+    <p:sldId id="306" r:id="rId12"/>
     <p:sldId id="310" r:id="rId13"/>
     <p:sldId id="314" r:id="rId14"/>
     <p:sldId id="315" r:id="rId15"/>
@@ -261,7 +261,8 @@
           <a:p>
             <a:fld id="{91E28716-1E94-4B23-B3DB-9F0BA2D6FF84}" type="datetimeFigureOut">
               <a:rPr lang="ru-RU" smtClean="0"/>
-              <a:t>07.09.2016</a:t>
+              <a:pPr/>
+              <a:t>08.09.2016</a:t>
             </a:fld>
             <a:endParaRPr lang="ru-RU"/>
           </a:p>
@@ -327,6 +328,7 @@
           <a:p>
             <a:fld id="{9CC76070-39EC-4083-828A-B474DD8AF209}" type="slidenum">
               <a:rPr lang="ru-RU" smtClean="0"/>
+              <a:pPr/>
               <a:t>‹#›</a:t>
             </a:fld>
             <a:endParaRPr lang="ru-RU"/>
@@ -451,7 +453,7 @@
               <a:pPr>
                 <a:defRPr/>
               </a:pPr>
-              <a:t>07.09.2016</a:t>
+              <a:t>08.09.2016</a:t>
             </a:fld>
             <a:endParaRPr lang="ru-RU"/>
           </a:p>
@@ -1382,7 +1384,7 @@
               <a:pPr>
                 <a:defRPr/>
               </a:pPr>
-              <a:t>07.09.2016</a:t>
+              <a:t>08.09.2016</a:t>
             </a:fld>
             <a:endParaRPr lang="ru-RU"/>
           </a:p>
@@ -1574,7 +1576,7 @@
               <a:pPr>
                 <a:defRPr/>
               </a:pPr>
-              <a:t>07.09.2016</a:t>
+              <a:t>08.09.2016</a:t>
             </a:fld>
             <a:endParaRPr lang="ru-RU"/>
           </a:p>
@@ -1776,7 +1778,7 @@
               <a:pPr>
                 <a:defRPr/>
               </a:pPr>
-              <a:t>07.09.2016</a:t>
+              <a:t>08.09.2016</a:t>
             </a:fld>
             <a:endParaRPr lang="ru-RU"/>
           </a:p>
@@ -1968,7 +1970,7 @@
               <a:pPr>
                 <a:defRPr/>
               </a:pPr>
-              <a:t>07.09.2016</a:t>
+              <a:t>08.09.2016</a:t>
             </a:fld>
             <a:endParaRPr lang="ru-RU"/>
           </a:p>
@@ -2236,7 +2238,7 @@
               <a:pPr>
                 <a:defRPr/>
               </a:pPr>
-              <a:t>07.09.2016</a:t>
+              <a:t>08.09.2016</a:t>
             </a:fld>
             <a:endParaRPr lang="ru-RU"/>
           </a:p>
@@ -2546,7 +2548,7 @@
               <a:pPr>
                 <a:defRPr/>
               </a:pPr>
-              <a:t>07.09.2016</a:t>
+              <a:t>08.09.2016</a:t>
             </a:fld>
             <a:endParaRPr lang="ru-RU"/>
           </a:p>
@@ -2990,7 +2992,7 @@
               <a:pPr>
                 <a:defRPr/>
               </a:pPr>
-              <a:t>07.09.2016</a:t>
+              <a:t>08.09.2016</a:t>
             </a:fld>
             <a:endParaRPr lang="ru-RU"/>
           </a:p>
@@ -3130,7 +3132,7 @@
               <a:pPr>
                 <a:defRPr/>
               </a:pPr>
-              <a:t>07.09.2016</a:t>
+              <a:t>08.09.2016</a:t>
             </a:fld>
             <a:endParaRPr lang="ru-RU"/>
           </a:p>
@@ -3247,7 +3249,7 @@
               <a:pPr>
                 <a:defRPr/>
               </a:pPr>
-              <a:t>07.09.2016</a:t>
+              <a:t>08.09.2016</a:t>
             </a:fld>
             <a:endParaRPr lang="ru-RU"/>
           </a:p>
@@ -3546,7 +3548,7 @@
               <a:pPr>
                 <a:defRPr/>
               </a:pPr>
-              <a:t>07.09.2016</a:t>
+              <a:t>08.09.2016</a:t>
             </a:fld>
             <a:endParaRPr lang="ru-RU"/>
           </a:p>
@@ -3824,7 +3826,7 @@
               <a:pPr>
                 <a:defRPr/>
               </a:pPr>
-              <a:t>07.09.2016</a:t>
+              <a:t>08.09.2016</a:t>
             </a:fld>
             <a:endParaRPr lang="ru-RU"/>
           </a:p>
@@ -4083,7 +4085,7 @@
               <a:pPr>
                 <a:defRPr/>
               </a:pPr>
-              <a:t>07.09.2016</a:t>
+              <a:t>08.09.2016</a:t>
             </a:fld>
             <a:endParaRPr lang="ru-RU"/>
           </a:p>
@@ -5152,7 +5154,7 @@
       </p:grpSpPr>
       <p:sp>
         <p:nvSpPr>
-          <p:cNvPr id="10242" name="Заголовок 1"/>
+          <p:cNvPr id="12290" name="Заголовок 1"/>
           <p:cNvSpPr>
             <a:spLocks noGrp="1"/>
           </p:cNvSpPr>
@@ -5176,7 +5178,7 @@
                 <a:latin typeface="Times New Roman" pitchFamily="18" charset="0"/>
                 <a:cs typeface="Times New Roman" pitchFamily="18" charset="0"/>
               </a:rPr>
-              <a:t>Математическая модель конкуренции</a:t>
+              <a:t>Теоретико-игровая модель конкуренции</a:t>
             </a:r>
           </a:p>
         </p:txBody>
@@ -5204,7 +5206,7 @@
             <a:pPr>
               <a:defRPr/>
             </a:pPr>
-            <a:fld id="{2EE08AED-271B-44A4-8632-10EF68192E3C}" type="slidenum">
+            <a:fld id="{0F517863-F801-447D-8E7B-156C7216F219}" type="slidenum">
               <a:rPr lang="ru-RU"/>
               <a:pPr>
                 <a:defRPr/>
@@ -5217,7 +5219,7 @@
       </p:sp>
       <p:sp>
         <p:nvSpPr>
-          <p:cNvPr id="10244" name="Содержимое 2"/>
+          <p:cNvPr id="11268" name="Содержимое 2"/>
           <p:cNvSpPr txBox="1">
             <a:spLocks/>
           </p:cNvSpPr>
@@ -5243,12 +5245,116 @@
           <a:bodyPr/>
           <a:lstStyle/>
           <a:p>
+            <a:pPr indent="-457200">
+              <a:spcBef>
+                <a:spcPct val="20000"/>
+              </a:spcBef>
+              <a:defRPr/>
+            </a:pPr>
+            <a:r>
+              <a:rPr lang="ru-RU" sz="2000" dirty="0">
+                <a:latin typeface="Times New Roman" pitchFamily="18" charset="0"/>
+                <a:cs typeface="Times New Roman" pitchFamily="18" charset="0"/>
+              </a:rPr>
+              <a:t>Конкурируют                    </a:t>
+            </a:r>
+            <a:r>
+              <a:rPr lang="ru-RU" sz="2000" dirty="0" smtClean="0">
+                <a:latin typeface="Times New Roman" pitchFamily="18" charset="0"/>
+                <a:cs typeface="Times New Roman" pitchFamily="18" charset="0"/>
+              </a:rPr>
+              <a:t>            производителей </a:t>
+            </a:r>
+            <a:r>
+              <a:rPr lang="ru-RU" sz="2000" dirty="0">
+                <a:latin typeface="Times New Roman" pitchFamily="18" charset="0"/>
+                <a:cs typeface="Times New Roman" pitchFamily="18" charset="0"/>
+              </a:rPr>
+              <a:t>с известными объемами выпускаемой продукции                 </a:t>
+            </a:r>
+            <a:r>
+              <a:rPr lang="ru-RU" sz="2000" dirty="0" smtClean="0">
+                <a:latin typeface="Times New Roman" pitchFamily="18" charset="0"/>
+                <a:cs typeface="Times New Roman" pitchFamily="18" charset="0"/>
+              </a:rPr>
+              <a:t>. </a:t>
+            </a:r>
+            <a:r>
+              <a:rPr lang="ru-RU" sz="2000" dirty="0">
+                <a:latin typeface="Times New Roman" pitchFamily="18" charset="0"/>
+                <a:cs typeface="Times New Roman" pitchFamily="18" charset="0"/>
+              </a:rPr>
+              <a:t>Суммарный объем продаж задается функцией спроса                   </a:t>
+            </a:r>
+            <a:r>
+              <a:rPr lang="ru-RU" sz="2000" dirty="0" smtClean="0">
+                <a:latin typeface="Times New Roman" pitchFamily="18" charset="0"/>
+                <a:cs typeface="Times New Roman" pitchFamily="18" charset="0"/>
+              </a:rPr>
+              <a:t> , где                                </a:t>
+            </a:r>
+            <a:endParaRPr lang="ru-RU" sz="2000" dirty="0">
+              <a:latin typeface="Times New Roman" pitchFamily="18" charset="0"/>
+              <a:cs typeface="Times New Roman" pitchFamily="18" charset="0"/>
+            </a:endParaRPr>
+          </a:p>
+          <a:p>
             <a:pPr marL="457200" indent="-457200">
               <a:spcBef>
                 <a:spcPct val="20000"/>
               </a:spcBef>
-              <a:buFont typeface="Calibri" pitchFamily="34" charset="0"/>
-              <a:buAutoNum type="arabicPeriod"/>
+              <a:defRPr/>
+            </a:pPr>
+            <a:r>
+              <a:rPr lang="ru-RU" sz="2000" dirty="0">
+                <a:latin typeface="Times New Roman" pitchFamily="18" charset="0"/>
+                <a:cs typeface="Times New Roman" pitchFamily="18" charset="0"/>
+              </a:rPr>
+              <a:t>                                </a:t>
+            </a:r>
+          </a:p>
+          <a:p>
+            <a:pPr marL="457200" indent="-457200">
+              <a:spcBef>
+                <a:spcPct val="20000"/>
+              </a:spcBef>
+              <a:defRPr/>
+            </a:pPr>
+            <a:r>
+              <a:rPr lang="ru-RU" sz="2000" dirty="0">
+                <a:latin typeface="Times New Roman" pitchFamily="18" charset="0"/>
+                <a:cs typeface="Times New Roman" pitchFamily="18" charset="0"/>
+              </a:rPr>
+              <a:t>                                                                                                        </a:t>
+            </a:r>
+            <a:r>
+              <a:rPr lang="ru-RU" sz="2000" dirty="0" smtClean="0">
+                <a:latin typeface="Times New Roman" pitchFamily="18" charset="0"/>
+                <a:cs typeface="Times New Roman" pitchFamily="18" charset="0"/>
+              </a:rPr>
+              <a:t>           (</a:t>
+            </a:r>
+            <a:r>
+              <a:rPr lang="ru-RU" sz="2000" dirty="0">
+                <a:latin typeface="Times New Roman" pitchFamily="18" charset="0"/>
+                <a:cs typeface="Times New Roman" pitchFamily="18" charset="0"/>
+              </a:rPr>
+              <a:t>1</a:t>
+            </a:r>
+            <a:r>
+              <a:rPr lang="ru-RU" sz="2000" dirty="0" smtClean="0">
+                <a:latin typeface="Times New Roman" pitchFamily="18" charset="0"/>
+                <a:cs typeface="Times New Roman" pitchFamily="18" charset="0"/>
+              </a:rPr>
+              <a:t>)</a:t>
+            </a:r>
+          </a:p>
+          <a:p>
+            <a:pPr marL="457200" indent="-457200">
+              <a:spcBef>
+                <a:spcPct val="20000"/>
+              </a:spcBef>
+              <a:defRPr/>
             </a:pPr>
             <a:endParaRPr lang="ru-RU" sz="2000" dirty="0">
               <a:latin typeface="Times New Roman" pitchFamily="18" charset="0"/>
@@ -5260,22 +5366,28 @@
               <a:spcBef>
                 <a:spcPct val="20000"/>
               </a:spcBef>
-              <a:buFont typeface="Calibri" pitchFamily="34" charset="0"/>
-              <a:buAutoNum type="arabicPeriod"/>
-            </a:pPr>
+              <a:defRPr/>
+            </a:pPr>
+            <a:r>
+              <a:rPr lang="ru-RU" sz="2000" dirty="0">
+                <a:latin typeface="Times New Roman" pitchFamily="18" charset="0"/>
+                <a:cs typeface="Times New Roman" pitchFamily="18" charset="0"/>
+              </a:rPr>
+              <a:t>                                                                                                        </a:t>
+            </a:r>
             <a:r>
               <a:rPr lang="ru-RU" sz="2000" dirty="0" smtClean="0">
                 <a:latin typeface="Times New Roman" pitchFamily="18" charset="0"/>
                 <a:cs typeface="Times New Roman" pitchFamily="18" charset="0"/>
               </a:rPr>
-              <a:t>     – </a:t>
+              <a:t>           (</a:t>
             </a:r>
             <a:r>
               <a:rPr lang="ru-RU" sz="2000" dirty="0">
                 <a:latin typeface="Times New Roman" pitchFamily="18" charset="0"/>
                 <a:cs typeface="Times New Roman" pitchFamily="18" charset="0"/>
               </a:rPr>
-              <a:t>основные игроки.</a:t>
+              <a:t>2)</a:t>
             </a:r>
           </a:p>
           <a:p>
@@ -5283,29 +5395,14 @@
               <a:spcBef>
                 <a:spcPct val="20000"/>
               </a:spcBef>
-              <a:buFont typeface="Calibri" pitchFamily="34" charset="0"/>
-              <a:buAutoNum type="arabicPeriod"/>
+              <a:defRPr/>
             </a:pPr>
             <a:r>
               <a:rPr lang="ru-RU" sz="2000" dirty="0">
                 <a:latin typeface="Times New Roman" pitchFamily="18" charset="0"/>
                 <a:cs typeface="Times New Roman" pitchFamily="18" charset="0"/>
               </a:rPr>
-              <a:t>     </a:t>
-            </a:r>
-            <a:r>
-              <a:rPr lang="ru-RU" sz="2000" dirty="0" smtClean="0">
-                <a:latin typeface="Times New Roman" pitchFamily="18" charset="0"/>
-                <a:cs typeface="Times New Roman" pitchFamily="18" charset="0"/>
-              </a:rPr>
-              <a:t>– </a:t>
-            </a:r>
-            <a:r>
-              <a:rPr lang="ru-RU" sz="2000" dirty="0">
-                <a:latin typeface="Times New Roman" pitchFamily="18" charset="0"/>
-                <a:cs typeface="Times New Roman" pitchFamily="18" charset="0"/>
-              </a:rPr>
-              <a:t>продукты-заменители.</a:t>
+              <a:t>Максимизация функции прибыли:</a:t>
             </a:r>
           </a:p>
           <a:p>
@@ -5313,45 +5410,40 @@
               <a:spcBef>
                 <a:spcPct val="20000"/>
               </a:spcBef>
-              <a:buFont typeface="Calibri" pitchFamily="34" charset="0"/>
-              <a:buAutoNum type="arabicPeriod"/>
-            </a:pPr>
-            <a:r>
-              <a:rPr lang="ru-RU" sz="2000" dirty="0" smtClean="0">
-                <a:latin typeface="Times New Roman" pitchFamily="18" charset="0"/>
-                <a:cs typeface="Times New Roman" pitchFamily="18" charset="0"/>
-              </a:rPr>
-              <a:t>     – </a:t>
-            </a:r>
-            <a:r>
-              <a:rPr lang="ru-RU" sz="2000" dirty="0">
-                <a:latin typeface="Times New Roman" pitchFamily="18" charset="0"/>
-                <a:cs typeface="Times New Roman" pitchFamily="18" charset="0"/>
-              </a:rPr>
-              <a:t>новые игроки.</a:t>
-            </a:r>
+              <a:defRPr/>
+            </a:pPr>
+            <a:endParaRPr lang="ru-RU" sz="2000" dirty="0">
+              <a:latin typeface="Times New Roman" pitchFamily="18" charset="0"/>
+              <a:cs typeface="Times New Roman" pitchFamily="18" charset="0"/>
+            </a:endParaRPr>
           </a:p>
           <a:p>
             <a:pPr marL="457200" indent="-457200">
               <a:spcBef>
                 <a:spcPct val="20000"/>
               </a:spcBef>
-              <a:buFont typeface="Calibri" pitchFamily="34" charset="0"/>
-              <a:buAutoNum type="arabicPeriod"/>
-            </a:pPr>
+              <a:defRPr/>
+            </a:pPr>
+            <a:r>
+              <a:rPr lang="ru-RU" sz="2000" dirty="0">
+                <a:latin typeface="Times New Roman" pitchFamily="18" charset="0"/>
+                <a:cs typeface="Times New Roman" pitchFamily="18" charset="0"/>
+              </a:rPr>
+              <a:t>                                                                                                         </a:t>
+            </a:r>
             <a:r>
               <a:rPr lang="ru-RU" sz="2000" dirty="0" smtClean="0">
                 <a:latin typeface="Times New Roman" pitchFamily="18" charset="0"/>
                 <a:cs typeface="Times New Roman" pitchFamily="18" charset="0"/>
               </a:rPr>
-              <a:t>     – </a:t>
+              <a:t>          (</a:t>
             </a:r>
             <a:r>
               <a:rPr lang="ru-RU" sz="2000" dirty="0">
                 <a:latin typeface="Times New Roman" pitchFamily="18" charset="0"/>
                 <a:cs typeface="Times New Roman" pitchFamily="18" charset="0"/>
               </a:rPr>
-              <a:t>поставщики.</a:t>
+              <a:t>3)</a:t>
             </a:r>
           </a:p>
           <a:p>
@@ -5359,52 +5451,40 @@
               <a:spcBef>
                 <a:spcPct val="20000"/>
               </a:spcBef>
-              <a:buFont typeface="Calibri" pitchFamily="34" charset="0"/>
-              <a:buAutoNum type="arabicPeriod"/>
-            </a:pPr>
-            <a:r>
-              <a:rPr lang="ru-RU" sz="2000" dirty="0" smtClean="0">
-                <a:latin typeface="Times New Roman" pitchFamily="18" charset="0"/>
-                <a:cs typeface="Times New Roman" pitchFamily="18" charset="0"/>
-              </a:rPr>
-              <a:t>     – </a:t>
-            </a:r>
-            <a:r>
-              <a:rPr lang="ru-RU" sz="2000" dirty="0">
-                <a:latin typeface="Times New Roman" pitchFamily="18" charset="0"/>
-                <a:cs typeface="Times New Roman" pitchFamily="18" charset="0"/>
-              </a:rPr>
-              <a:t>потребители.</a:t>
-            </a:r>
+              <a:defRPr/>
+            </a:pPr>
+            <a:endParaRPr lang="ru-RU" sz="2000" dirty="0">
+              <a:latin typeface="Times New Roman" pitchFamily="18" charset="0"/>
+              <a:cs typeface="Times New Roman" pitchFamily="18" charset="0"/>
+            </a:endParaRPr>
           </a:p>
           <a:p>
             <a:pPr marL="457200" indent="-457200">
               <a:spcBef>
                 <a:spcPct val="20000"/>
               </a:spcBef>
-              <a:buFont typeface="Calibri" pitchFamily="34" charset="0"/>
-              <a:buAutoNum type="arabicPeriod"/>
-            </a:pPr>
+              <a:defRPr/>
+            </a:pPr>
+            <a:r>
+              <a:rPr lang="ru-RU" sz="2000" dirty="0">
+                <a:latin typeface="Times New Roman" pitchFamily="18" charset="0"/>
+                <a:cs typeface="Times New Roman" pitchFamily="18" charset="0"/>
+              </a:rPr>
+              <a:t>                                                                                                         </a:t>
+            </a:r>
             <a:r>
               <a:rPr lang="ru-RU" sz="2000" dirty="0" smtClean="0">
                 <a:latin typeface="Times New Roman" pitchFamily="18" charset="0"/>
                 <a:cs typeface="Times New Roman" pitchFamily="18" charset="0"/>
               </a:rPr>
-              <a:t>     – </a:t>
-            </a:r>
-            <a:r>
-              <a:rPr lang="ru-RU" sz="2000" dirty="0" err="1">
-                <a:latin typeface="Times New Roman" pitchFamily="18" charset="0"/>
-                <a:cs typeface="Times New Roman" pitchFamily="18" charset="0"/>
-              </a:rPr>
-              <a:t>комплементоры</a:t>
-            </a:r>
-            <a:r>
-              <a:rPr lang="ru-RU" sz="2000" dirty="0" smtClean="0">
-                <a:latin typeface="Times New Roman" pitchFamily="18" charset="0"/>
-                <a:cs typeface="Times New Roman" pitchFamily="18" charset="0"/>
-              </a:rPr>
-              <a:t>.</a:t>
+              <a:t>          </a:t>
+            </a:r>
+            <a:r>
+              <a:rPr lang="ru-RU" sz="2000" dirty="0">
+                <a:latin typeface="Times New Roman" pitchFamily="18" charset="0"/>
+                <a:cs typeface="Times New Roman" pitchFamily="18" charset="0"/>
+              </a:rPr>
+              <a:t>(4)</a:t>
             </a:r>
           </a:p>
           <a:p>
@@ -5412,30 +5492,8 @@
               <a:spcBef>
                 <a:spcPct val="20000"/>
               </a:spcBef>
-              <a:buFont typeface="Calibri" pitchFamily="34" charset="0"/>
-              <a:buAutoNum type="arabicPeriod"/>
-            </a:pPr>
-            <a:r>
-              <a:rPr lang="ru-RU" sz="2000" dirty="0" smtClean="0">
-                <a:latin typeface="Times New Roman" pitchFamily="18" charset="0"/>
-                <a:cs typeface="Times New Roman" pitchFamily="18" charset="0"/>
-              </a:rPr>
-              <a:t>     – </a:t>
-            </a:r>
-            <a:r>
-              <a:rPr lang="ru-RU" sz="2000" dirty="0" err="1" smtClean="0">
-                <a:latin typeface="Times New Roman" pitchFamily="18" charset="0"/>
-                <a:cs typeface="Times New Roman" pitchFamily="18" charset="0"/>
-              </a:rPr>
-              <a:t>инфлюенторы</a:t>
-            </a:r>
-            <a:r>
-              <a:rPr lang="ru-RU" sz="2000" dirty="0" smtClean="0">
-                <a:latin typeface="Times New Roman" pitchFamily="18" charset="0"/>
-                <a:cs typeface="Times New Roman" pitchFamily="18" charset="0"/>
-              </a:rPr>
-              <a:t>.  </a:t>
-            </a:r>
+              <a:defRPr/>
+            </a:pPr>
             <a:endParaRPr lang="ru-RU" sz="2000" dirty="0">
               <a:latin typeface="Times New Roman" pitchFamily="18" charset="0"/>
               <a:cs typeface="Times New Roman" pitchFamily="18" charset="0"/>
@@ -5446,65 +5504,35 @@
               <a:spcBef>
                 <a:spcPct val="20000"/>
               </a:spcBef>
-              <a:buFont typeface="Calibri" pitchFamily="34" charset="0"/>
-              <a:buAutoNum type="arabicPeriod"/>
-            </a:pPr>
-            <a:endParaRPr lang="ru-RU" sz="2000" dirty="0">
-              <a:latin typeface="Times New Roman" pitchFamily="18" charset="0"/>
-              <a:cs typeface="Times New Roman" pitchFamily="18" charset="0"/>
-            </a:endParaRPr>
-          </a:p>
-          <a:p>
-            <a:pPr>
-              <a:spcBef>
-                <a:spcPct val="20000"/>
-              </a:spcBef>
-            </a:pPr>
+              <a:defRPr/>
+            </a:pPr>
+            <a:r>
+              <a:rPr lang="ru-RU" sz="2000" dirty="0">
+                <a:latin typeface="Times New Roman" pitchFamily="18" charset="0"/>
+                <a:cs typeface="Times New Roman" pitchFamily="18" charset="0"/>
+              </a:rPr>
+              <a:t>                                                                                                           </a:t>
+            </a:r>
             <a:r>
               <a:rPr lang="ru-RU" sz="2000" dirty="0" smtClean="0">
                 <a:latin typeface="Times New Roman" pitchFamily="18" charset="0"/>
                 <a:cs typeface="Times New Roman" pitchFamily="18" charset="0"/>
               </a:rPr>
-              <a:t>           –</a:t>
-            </a:r>
-            <a:r>
-              <a:rPr lang="en-US" sz="2000" dirty="0" smtClean="0">
-                <a:latin typeface="Times New Roman" pitchFamily="18" charset="0"/>
-                <a:cs typeface="Times New Roman" pitchFamily="18" charset="0"/>
-              </a:rPr>
-              <a:t> </a:t>
-            </a:r>
-            <a:r>
-              <a:rPr lang="ru-RU" sz="2000" dirty="0" smtClean="0">
-                <a:latin typeface="Times New Roman" pitchFamily="18" charset="0"/>
-                <a:cs typeface="Times New Roman" pitchFamily="18" charset="0"/>
-              </a:rPr>
-              <a:t>множество агентов, являющихся игроками в многошаговой некооперативной игре. </a:t>
-            </a:r>
-          </a:p>
-          <a:p>
-            <a:pPr>
-              <a:spcBef>
-                <a:spcPct val="20000"/>
-              </a:spcBef>
-            </a:pPr>
-            <a:r>
-              <a:rPr lang="ru-RU" sz="2000" dirty="0" smtClean="0">
-                <a:latin typeface="Times New Roman" pitchFamily="18" charset="0"/>
-                <a:cs typeface="Times New Roman" pitchFamily="18" charset="0"/>
-              </a:rPr>
-              <a:t>В роли агентов выступают компании, соответствующие силам, наследующие их свойства, и взаимодействующие между собой.</a:t>
-            </a:r>
-            <a:endParaRPr lang="ru-RU" sz="2000" dirty="0">
-              <a:latin typeface="Times New Roman" pitchFamily="18" charset="0"/>
-              <a:cs typeface="Times New Roman" pitchFamily="18" charset="0"/>
-            </a:endParaRPr>
-          </a:p>
-        </p:txBody>
-      </p:sp>
-      <p:sp>
-        <p:nvSpPr>
-          <p:cNvPr id="10254" name="Rectangle 14"/>
+              <a:t>        (</a:t>
+            </a:r>
+            <a:r>
+              <a:rPr lang="ru-RU" sz="2000" dirty="0">
+                <a:latin typeface="Times New Roman" pitchFamily="18" charset="0"/>
+                <a:cs typeface="Times New Roman" pitchFamily="18" charset="0"/>
+              </a:rPr>
+              <a:t>5)</a:t>
+            </a:r>
+          </a:p>
+        </p:txBody>
+      </p:sp>
+      <p:sp>
+        <p:nvSpPr>
+          <p:cNvPr id="12304" name="Rectangle 16"/>
           <p:cNvSpPr>
             <a:spLocks noChangeArrowheads="1"/>
           </p:cNvSpPr>
@@ -5542,7 +5570,7 @@
       </p:sp>
       <p:pic>
         <p:nvPicPr>
-          <p:cNvPr id="10253" name="Picture 13"/>
+          <p:cNvPr id="12303" name="Picture 15"/>
           <p:cNvPicPr>
             <a:picLocks noChangeAspect="1" noChangeArrowheads="1"/>
           </p:cNvPicPr>
@@ -5568,8 +5596,8 @@
         </p:blipFill>
         <p:spPr bwMode="auto">
           <a:xfrm>
-            <a:off x="2483768" y="1196752"/>
-            <a:ext cx="4181475" cy="390525"/>
+            <a:off x="2123728" y="1288147"/>
+            <a:ext cx="1861130" cy="340653"/>
           </a:xfrm>
           <a:prstGeom prst="rect">
             <a:avLst/>
@@ -5579,7 +5607,7 @@
       </p:pic>
       <p:sp>
         <p:nvSpPr>
-          <p:cNvPr id="10256" name="Rectangle 16"/>
+          <p:cNvPr id="12306" name="Rectangle 18"/>
           <p:cNvSpPr>
             <a:spLocks noChangeArrowheads="1"/>
           </p:cNvSpPr>
@@ -5617,7 +5645,7 @@
       </p:sp>
       <p:pic>
         <p:nvPicPr>
-          <p:cNvPr id="10255" name="Picture 15"/>
+          <p:cNvPr id="12305" name="Picture 17"/>
           <p:cNvPicPr>
             <a:picLocks noChangeAspect="1" noChangeArrowheads="1"/>
           </p:cNvPicPr>
@@ -5643,8 +5671,8 @@
         </p:blipFill>
         <p:spPr bwMode="auto">
           <a:xfrm>
-            <a:off x="3800847" y="4149080"/>
-            <a:ext cx="1419225" cy="457200"/>
+            <a:off x="3275856" y="1576179"/>
+            <a:ext cx="980417" cy="340653"/>
           </a:xfrm>
           <a:prstGeom prst="rect">
             <a:avLst/>
@@ -5654,7 +5682,7 @@
       </p:pic>
       <p:sp>
         <p:nvSpPr>
-          <p:cNvPr id="10258" name="Rectangle 18"/>
+          <p:cNvPr id="12308" name="Rectangle 20"/>
           <p:cNvSpPr>
             <a:spLocks noChangeArrowheads="1"/>
           </p:cNvSpPr>
@@ -5692,7 +5720,7 @@
       </p:sp>
       <p:pic>
         <p:nvPicPr>
-          <p:cNvPr id="10257" name="Picture 17"/>
+          <p:cNvPr id="12307" name="Picture 19"/>
           <p:cNvPicPr>
             <a:picLocks noChangeAspect="1" noChangeArrowheads="1"/>
           </p:cNvPicPr>
@@ -5718,8 +5746,8 @@
         </p:blipFill>
         <p:spPr bwMode="auto">
           <a:xfrm>
-            <a:off x="511349" y="4509120"/>
-            <a:ext cx="676275" cy="457200"/>
+            <a:off x="2483768" y="1916832"/>
+            <a:ext cx="1188132" cy="348962"/>
           </a:xfrm>
           <a:prstGeom prst="rect">
             <a:avLst/>
@@ -5729,7 +5757,7 @@
       </p:pic>
       <p:sp>
         <p:nvSpPr>
-          <p:cNvPr id="10260" name="Rectangle 20"/>
+          <p:cNvPr id="12312" name="Rectangle 24"/>
           <p:cNvSpPr>
             <a:spLocks noChangeArrowheads="1"/>
           </p:cNvSpPr>
@@ -5767,25 +5795,14 @@
       </p:sp>
       <p:pic>
         <p:nvPicPr>
-          <p:cNvPr id="10259" name="Picture 19"/>
+          <p:cNvPr id="12313" name="Picture 25" descr="C:\Users\Евгений\Desktop\Screenshot_11.png"/>
           <p:cNvPicPr>
             <a:picLocks noChangeAspect="1" noChangeArrowheads="1"/>
           </p:cNvPicPr>
           <p:nvPr/>
         </p:nvPicPr>
         <p:blipFill>
-          <a:blip r:embed="rId5" cstate="print">
-            <a:clrChange>
-              <a:clrFrom>
-                <a:srgbClr val="FFFFFF"/>
-              </a:clrFrom>
-              <a:clrTo>
-                <a:srgbClr val="FFFFFF">
-                  <a:alpha val="0"/>
-                </a:srgbClr>
-              </a:clrTo>
-            </a:clrChange>
-          </a:blip>
+          <a:blip r:embed="rId5" cstate="print"/>
           <a:srcRect/>
           <a:stretch>
             <a:fillRect/>
@@ -5793,8 +5810,8 @@
         </p:blipFill>
         <p:spPr bwMode="auto">
           <a:xfrm>
-            <a:off x="899592" y="1628800"/>
-            <a:ext cx="342900" cy="390525"/>
+            <a:off x="4211960" y="1916832"/>
+            <a:ext cx="1584176" cy="396044"/>
           </a:xfrm>
           <a:prstGeom prst="rect">
             <a:avLst/>
@@ -5802,9 +5819,35 @@
           <a:noFill/>
         </p:spPr>
       </p:pic>
-      <p:sp>
-        <p:nvSpPr>
-          <p:cNvPr id="10262" name="Rectangle 22"/>
+      <p:pic>
+        <p:nvPicPr>
+          <p:cNvPr id="12314" name="Picture 26" descr="C:\Users\Евгений\Desktop\Screenshot_13.png"/>
+          <p:cNvPicPr>
+            <a:picLocks noChangeAspect="1" noChangeArrowheads="1"/>
+          </p:cNvPicPr>
+          <p:nvPr/>
+        </p:nvPicPr>
+        <p:blipFill>
+          <a:blip r:embed="rId6" cstate="print"/>
+          <a:srcRect/>
+          <a:stretch>
+            <a:fillRect/>
+          </a:stretch>
+        </p:blipFill>
+        <p:spPr bwMode="auto">
+          <a:xfrm>
+            <a:off x="3131840" y="2564904"/>
+            <a:ext cx="2448271" cy="401485"/>
+          </a:xfrm>
+          <a:prstGeom prst="rect">
+            <a:avLst/>
+          </a:prstGeom>
+          <a:noFill/>
+        </p:spPr>
+      </p:pic>
+      <p:sp>
+        <p:nvSpPr>
+          <p:cNvPr id="12316" name="Rectangle 28"/>
           <p:cNvSpPr>
             <a:spLocks noChangeArrowheads="1"/>
           </p:cNvSpPr>
@@ -5842,82 +5885,7 @@
       </p:sp>
       <p:pic>
         <p:nvPicPr>
-          <p:cNvPr id="10261" name="Picture 21"/>
-          <p:cNvPicPr>
-            <a:picLocks noChangeAspect="1" noChangeArrowheads="1"/>
-          </p:cNvPicPr>
-          <p:nvPr/>
-        </p:nvPicPr>
-        <p:blipFill>
-          <a:blip r:embed="rId6" cstate="print">
-            <a:clrChange>
-              <a:clrFrom>
-                <a:srgbClr val="FFFFFF"/>
-              </a:clrFrom>
-              <a:clrTo>
-                <a:srgbClr val="FFFFFF">
-                  <a:alpha val="0"/>
-                </a:srgbClr>
-              </a:clrTo>
-            </a:clrChange>
-          </a:blip>
-          <a:srcRect/>
-          <a:stretch>
-            <a:fillRect/>
-          </a:stretch>
-        </p:blipFill>
-        <p:spPr bwMode="auto">
-          <a:xfrm>
-            <a:off x="899592" y="1988840"/>
-            <a:ext cx="352425" cy="390525"/>
-          </a:xfrm>
-          <a:prstGeom prst="rect">
-            <a:avLst/>
-          </a:prstGeom>
-          <a:noFill/>
-        </p:spPr>
-      </p:pic>
-      <p:sp>
-        <p:nvSpPr>
-          <p:cNvPr id="10264" name="Rectangle 24"/>
-          <p:cNvSpPr>
-            <a:spLocks noChangeArrowheads="1"/>
-          </p:cNvSpPr>
-          <p:nvPr/>
-        </p:nvSpPr>
-        <p:spPr bwMode="auto">
-          <a:xfrm>
-            <a:off x="0" y="0"/>
-            <a:ext cx="9144000" cy="0"/>
-          </a:xfrm>
-          <a:prstGeom prst="rect">
-            <a:avLst/>
-          </a:prstGeom>
-          <a:noFill/>
-          <a:ln w="9525">
-            <a:noFill/>
-            <a:miter lim="800000"/>
-            <a:headEnd/>
-            <a:tailEnd/>
-          </a:ln>
-          <a:effectLst/>
-        </p:spPr>
-        <p:txBody>
-          <a:bodyPr vert="horz" wrap="none" lIns="91440" tIns="45720" rIns="91440" bIns="45720" numCol="1" anchor="ctr" anchorCtr="0" compatLnSpc="1">
-            <a:prstTxWarp prst="textNoShape">
-              <a:avLst/>
-            </a:prstTxWarp>
-            <a:spAutoFit/>
-          </a:bodyPr>
-          <a:lstStyle/>
-          <a:p>
-            <a:endParaRPr lang="ru-RU"/>
-          </a:p>
-        </p:txBody>
-      </p:sp>
-      <p:pic>
-        <p:nvPicPr>
-          <p:cNvPr id="10263" name="Picture 23"/>
+          <p:cNvPr id="12315" name="Picture 27"/>
           <p:cNvPicPr>
             <a:picLocks noChangeAspect="1" noChangeArrowheads="1"/>
           </p:cNvPicPr>
@@ -5943,8 +5911,8 @@
         </p:blipFill>
         <p:spPr bwMode="auto">
           <a:xfrm>
-            <a:off x="899592" y="2348880"/>
-            <a:ext cx="352425" cy="390525"/>
+            <a:off x="2483768" y="3356992"/>
+            <a:ext cx="4019550" cy="361950"/>
           </a:xfrm>
           <a:prstGeom prst="rect">
             <a:avLst/>
@@ -5952,65 +5920,16 @@
           <a:noFill/>
         </p:spPr>
       </p:pic>
-      <p:sp>
-        <p:nvSpPr>
-          <p:cNvPr id="10266" name="Rectangle 26"/>
-          <p:cNvSpPr>
-            <a:spLocks noChangeArrowheads="1"/>
-          </p:cNvSpPr>
-          <p:nvPr/>
-        </p:nvSpPr>
-        <p:spPr bwMode="auto">
-          <a:xfrm>
-            <a:off x="0" y="0"/>
-            <a:ext cx="9144000" cy="0"/>
-          </a:xfrm>
-          <a:prstGeom prst="rect">
-            <a:avLst/>
-          </a:prstGeom>
-          <a:noFill/>
-          <a:ln w="9525">
-            <a:noFill/>
-            <a:miter lim="800000"/>
-            <a:headEnd/>
-            <a:tailEnd/>
-          </a:ln>
-          <a:effectLst/>
-        </p:spPr>
-        <p:txBody>
-          <a:bodyPr vert="horz" wrap="none" lIns="91440" tIns="45720" rIns="91440" bIns="45720" numCol="1" anchor="ctr" anchorCtr="0" compatLnSpc="1">
-            <a:prstTxWarp prst="textNoShape">
-              <a:avLst/>
-            </a:prstTxWarp>
-            <a:spAutoFit/>
-          </a:bodyPr>
-          <a:lstStyle/>
-          <a:p>
-            <a:endParaRPr lang="ru-RU"/>
-          </a:p>
-        </p:txBody>
-      </p:sp>
       <p:pic>
         <p:nvPicPr>
-          <p:cNvPr id="10265" name="Picture 25"/>
+          <p:cNvPr id="12317" name="Picture 29" descr="C:\Users\Евгений\Desktop\Screenshot_14.png"/>
           <p:cNvPicPr>
             <a:picLocks noChangeAspect="1" noChangeArrowheads="1"/>
           </p:cNvPicPr>
           <p:nvPr/>
         </p:nvPicPr>
         <p:blipFill>
-          <a:blip r:embed="rId8" cstate="print">
-            <a:clrChange>
-              <a:clrFrom>
-                <a:srgbClr val="FFFFFF"/>
-              </a:clrFrom>
-              <a:clrTo>
-                <a:srgbClr val="FFFFFF">
-                  <a:alpha val="0"/>
-                </a:srgbClr>
-              </a:clrTo>
-            </a:clrChange>
-          </a:blip>
+          <a:blip r:embed="rId8" cstate="print"/>
           <a:srcRect/>
           <a:stretch>
             <a:fillRect/>
@@ -6018,8 +5937,8 @@
         </p:blipFill>
         <p:spPr bwMode="auto">
           <a:xfrm>
-            <a:off x="899592" y="2708920"/>
-            <a:ext cx="352425" cy="390525"/>
+            <a:off x="2303612" y="5877272"/>
+            <a:ext cx="4572000" cy="552450"/>
           </a:xfrm>
           <a:prstGeom prst="rect">
             <a:avLst/>
@@ -6027,65 +5946,16 @@
           <a:noFill/>
         </p:spPr>
       </p:pic>
-      <p:sp>
-        <p:nvSpPr>
-          <p:cNvPr id="10268" name="Rectangle 28"/>
-          <p:cNvSpPr>
-            <a:spLocks noChangeArrowheads="1"/>
-          </p:cNvSpPr>
-          <p:nvPr/>
-        </p:nvSpPr>
-        <p:spPr bwMode="auto">
-          <a:xfrm>
-            <a:off x="0" y="0"/>
-            <a:ext cx="9144000" cy="0"/>
-          </a:xfrm>
-          <a:prstGeom prst="rect">
-            <a:avLst/>
-          </a:prstGeom>
-          <a:noFill/>
-          <a:ln w="9525">
-            <a:noFill/>
-            <a:miter lim="800000"/>
-            <a:headEnd/>
-            <a:tailEnd/>
-          </a:ln>
-          <a:effectLst/>
-        </p:spPr>
-        <p:txBody>
-          <a:bodyPr vert="horz" wrap="none" lIns="91440" tIns="45720" rIns="91440" bIns="45720" numCol="1" anchor="ctr" anchorCtr="0" compatLnSpc="1">
-            <a:prstTxWarp prst="textNoShape">
-              <a:avLst/>
-            </a:prstTxWarp>
-            <a:spAutoFit/>
-          </a:bodyPr>
-          <a:lstStyle/>
-          <a:p>
-            <a:endParaRPr lang="ru-RU"/>
-          </a:p>
-        </p:txBody>
-      </p:sp>
       <p:pic>
         <p:nvPicPr>
-          <p:cNvPr id="10267" name="Picture 27"/>
+          <p:cNvPr id="12318" name="Picture 30" descr="C:\Users\Евгений\Desktop\Screenshot_15.png"/>
           <p:cNvPicPr>
             <a:picLocks noChangeAspect="1" noChangeArrowheads="1"/>
           </p:cNvPicPr>
           <p:nvPr/>
         </p:nvPicPr>
         <p:blipFill>
-          <a:blip r:embed="rId9" cstate="print">
-            <a:clrChange>
-              <a:clrFrom>
-                <a:srgbClr val="FFFFFF"/>
-              </a:clrFrom>
-              <a:clrTo>
-                <a:srgbClr val="FFFFFF">
-                  <a:alpha val="0"/>
-                </a:srgbClr>
-              </a:clrTo>
-            </a:clrChange>
-          </a:blip>
+          <a:blip r:embed="rId9" cstate="print"/>
           <a:srcRect/>
           <a:stretch>
             <a:fillRect/>
@@ -6093,8 +5963,8 @@
         </p:blipFill>
         <p:spPr bwMode="auto">
           <a:xfrm>
-            <a:off x="899592" y="3068960"/>
-            <a:ext cx="352425" cy="390525"/>
+            <a:off x="2627784" y="5229200"/>
+            <a:ext cx="3924300" cy="419100"/>
           </a:xfrm>
           <a:prstGeom prst="rect">
             <a:avLst/>
@@ -6102,65 +5972,16 @@
           <a:noFill/>
         </p:spPr>
       </p:pic>
-      <p:sp>
-        <p:nvSpPr>
-          <p:cNvPr id="10270" name="Rectangle 30"/>
-          <p:cNvSpPr>
-            <a:spLocks noChangeArrowheads="1"/>
-          </p:cNvSpPr>
-          <p:nvPr/>
-        </p:nvSpPr>
-        <p:spPr bwMode="auto">
-          <a:xfrm>
-            <a:off x="0" y="0"/>
-            <a:ext cx="9144000" cy="0"/>
-          </a:xfrm>
-          <a:prstGeom prst="rect">
-            <a:avLst/>
-          </a:prstGeom>
-          <a:noFill/>
-          <a:ln w="9525">
-            <a:noFill/>
-            <a:miter lim="800000"/>
-            <a:headEnd/>
-            <a:tailEnd/>
-          </a:ln>
-          <a:effectLst/>
-        </p:spPr>
-        <p:txBody>
-          <a:bodyPr vert="horz" wrap="none" lIns="91440" tIns="45720" rIns="91440" bIns="45720" numCol="1" anchor="ctr" anchorCtr="0" compatLnSpc="1">
-            <a:prstTxWarp prst="textNoShape">
-              <a:avLst/>
-            </a:prstTxWarp>
-            <a:spAutoFit/>
-          </a:bodyPr>
-          <a:lstStyle/>
-          <a:p>
-            <a:endParaRPr lang="ru-RU"/>
-          </a:p>
-        </p:txBody>
-      </p:sp>
       <p:pic>
         <p:nvPicPr>
-          <p:cNvPr id="10269" name="Picture 29"/>
+          <p:cNvPr id="12319" name="Picture 31" descr="C:\Users\Евгений\Desktop\Screenshot_16.png"/>
           <p:cNvPicPr>
             <a:picLocks noChangeAspect="1" noChangeArrowheads="1"/>
           </p:cNvPicPr>
           <p:nvPr/>
         </p:nvPicPr>
         <p:blipFill>
-          <a:blip r:embed="rId10" cstate="print">
-            <a:clrChange>
-              <a:clrFrom>
-                <a:srgbClr val="FFFFFF"/>
-              </a:clrFrom>
-              <a:clrTo>
-                <a:srgbClr val="FFFFFF">
-                  <a:alpha val="0"/>
-                </a:srgbClr>
-              </a:clrTo>
-            </a:clrChange>
-          </a:blip>
+          <a:blip r:embed="rId10" cstate="print"/>
           <a:srcRect/>
           <a:stretch>
             <a:fillRect/>
@@ -6168,83 +5989,8 @@
         </p:blipFill>
         <p:spPr bwMode="auto">
           <a:xfrm>
-            <a:off x="907207" y="3429000"/>
-            <a:ext cx="352425" cy="390525"/>
-          </a:xfrm>
-          <a:prstGeom prst="rect">
-            <a:avLst/>
-          </a:prstGeom>
-          <a:noFill/>
-        </p:spPr>
-      </p:pic>
-      <p:sp>
-        <p:nvSpPr>
-          <p:cNvPr id="10272" name="Rectangle 32"/>
-          <p:cNvSpPr>
-            <a:spLocks noChangeArrowheads="1"/>
-          </p:cNvSpPr>
-          <p:nvPr/>
-        </p:nvSpPr>
-        <p:spPr bwMode="auto">
-          <a:xfrm>
-            <a:off x="0" y="0"/>
-            <a:ext cx="9144000" cy="0"/>
-          </a:xfrm>
-          <a:prstGeom prst="rect">
-            <a:avLst/>
-          </a:prstGeom>
-          <a:noFill/>
-          <a:ln w="9525">
-            <a:noFill/>
-            <a:miter lim="800000"/>
-            <a:headEnd/>
-            <a:tailEnd/>
-          </a:ln>
-          <a:effectLst/>
-        </p:spPr>
-        <p:txBody>
-          <a:bodyPr vert="horz" wrap="none" lIns="91440" tIns="45720" rIns="91440" bIns="45720" numCol="1" anchor="ctr" anchorCtr="0" compatLnSpc="1">
-            <a:prstTxWarp prst="textNoShape">
-              <a:avLst/>
-            </a:prstTxWarp>
-            <a:spAutoFit/>
-          </a:bodyPr>
-          <a:lstStyle/>
-          <a:p>
-            <a:endParaRPr lang="ru-RU"/>
-          </a:p>
-        </p:txBody>
-      </p:sp>
-      <p:pic>
-        <p:nvPicPr>
-          <p:cNvPr id="10271" name="Picture 31"/>
-          <p:cNvPicPr>
-            <a:picLocks noChangeAspect="1" noChangeArrowheads="1"/>
-          </p:cNvPicPr>
-          <p:nvPr/>
-        </p:nvPicPr>
-        <p:blipFill>
-          <a:blip r:embed="rId11" cstate="print">
-            <a:clrChange>
-              <a:clrFrom>
-                <a:srgbClr val="FFFFFF"/>
-              </a:clrFrom>
-              <a:clrTo>
-                <a:srgbClr val="FFFFFF">
-                  <a:alpha val="0"/>
-                </a:srgbClr>
-              </a:clrTo>
-            </a:clrChange>
-          </a:blip>
-          <a:srcRect/>
-          <a:stretch>
-            <a:fillRect/>
-          </a:stretch>
-        </p:blipFill>
-        <p:spPr bwMode="auto">
-          <a:xfrm>
-            <a:off x="899592" y="3789040"/>
-            <a:ext cx="352425" cy="390525"/>
+            <a:off x="2231604" y="4365104"/>
+            <a:ext cx="4667250" cy="590550"/>
           </a:xfrm>
           <a:prstGeom prst="rect">
             <a:avLst/>
@@ -6286,7 +6032,7 @@
       </p:grpSpPr>
       <p:sp>
         <p:nvSpPr>
-          <p:cNvPr id="12290" name="Заголовок 1"/>
+          <p:cNvPr id="9218" name="Заголовок 1"/>
           <p:cNvSpPr>
             <a:spLocks noGrp="1"/>
           </p:cNvSpPr>
@@ -6310,7 +6056,7 @@
                 <a:latin typeface="Times New Roman" pitchFamily="18" charset="0"/>
                 <a:cs typeface="Times New Roman" pitchFamily="18" charset="0"/>
               </a:rPr>
-              <a:t>Теоретико-игровая модель конкуренции</a:t>
+              <a:t>Конкурентный анализ в аэрокосмической отрасли</a:t>
             </a:r>
           </a:p>
         </p:txBody>
@@ -6338,7 +6084,7 @@
             <a:pPr>
               <a:defRPr/>
             </a:pPr>
-            <a:fld id="{0F517863-F801-447D-8E7B-156C7216F219}" type="slidenum">
+            <a:fld id="{E49435F9-A53A-4D7F-8FD6-596AFE1FEF1A}" type="slidenum">
               <a:rPr lang="ru-RU"/>
               <a:pPr>
                 <a:defRPr/>
@@ -6351,7 +6097,7 @@
       </p:sp>
       <p:sp>
         <p:nvSpPr>
-          <p:cNvPr id="11268" name="Содержимое 2"/>
+          <p:cNvPr id="5" name="Содержимое 2"/>
           <p:cNvSpPr txBox="1">
             <a:spLocks/>
           </p:cNvSpPr>
@@ -6377,10 +6123,12 @@
           <a:bodyPr/>
           <a:lstStyle/>
           <a:p>
-            <a:pPr indent="-457200">
+            <a:pPr marL="457200" indent="-457200">
               <a:spcBef>
                 <a:spcPct val="20000"/>
               </a:spcBef>
+              <a:buFont typeface="+mj-lt"/>
+              <a:buAutoNum type="arabicPeriod"/>
               <a:defRPr/>
             </a:pPr>
             <a:r>
@@ -6388,47 +6136,193 @@
                 <a:latin typeface="Times New Roman" pitchFamily="18" charset="0"/>
                 <a:cs typeface="Times New Roman" pitchFamily="18" charset="0"/>
               </a:rPr>
-              <a:t>Конкурируют                    </a:t>
+              <a:t>Объекты авиационной техники </a:t>
             </a:r>
             <a:r>
               <a:rPr lang="ru-RU" sz="2000" dirty="0" smtClean="0">
                 <a:latin typeface="Times New Roman" pitchFamily="18" charset="0"/>
                 <a:cs typeface="Times New Roman" pitchFamily="18" charset="0"/>
               </a:rPr>
-              <a:t>            производителей </a:t>
+              <a:t> – </a:t>
             </a:r>
             <a:r>
               <a:rPr lang="ru-RU" sz="2000" dirty="0">
                 <a:latin typeface="Times New Roman" pitchFamily="18" charset="0"/>
                 <a:cs typeface="Times New Roman" pitchFamily="18" charset="0"/>
               </a:rPr>
-              <a:t>с известными объемами выпускаемой продукции                 </a:t>
+              <a:t>истребители 5-го поколения, беспилотные летательные </a:t>
             </a:r>
             <a:r>
               <a:rPr lang="ru-RU" sz="2000" dirty="0" smtClean="0">
                 <a:latin typeface="Times New Roman" pitchFamily="18" charset="0"/>
                 <a:cs typeface="Times New Roman" pitchFamily="18" charset="0"/>
               </a:rPr>
-              <a:t>. </a:t>
+              <a:t>аппараты, </a:t>
+            </a:r>
+            <a:r>
+              <a:rPr lang="ru-RU" sz="2000" dirty="0" err="1">
+                <a:latin typeface="Times New Roman" pitchFamily="18" charset="0"/>
+                <a:cs typeface="Times New Roman" pitchFamily="18" charset="0"/>
+              </a:rPr>
+              <a:t>микродирижабли</a:t>
             </a:r>
             <a:r>
               <a:rPr lang="ru-RU" sz="2000" dirty="0">
                 <a:latin typeface="Times New Roman" pitchFamily="18" charset="0"/>
                 <a:cs typeface="Times New Roman" pitchFamily="18" charset="0"/>
               </a:rPr>
-              <a:t>Суммарный объем продаж задается функцией спроса                   </a:t>
+              <a:t> и </a:t>
             </a:r>
             <a:r>
               <a:rPr lang="ru-RU" sz="2000" dirty="0" smtClean="0">
                 <a:latin typeface="Times New Roman" pitchFamily="18" charset="0"/>
                 <a:cs typeface="Times New Roman" pitchFamily="18" charset="0"/>
               </a:rPr>
-              <a:t> , где                                </a:t>
+              <a:t>аэростаты. </a:t>
             </a:r>
             <a:endParaRPr lang="ru-RU" sz="2000" dirty="0">
               <a:latin typeface="Times New Roman" pitchFamily="18" charset="0"/>
               <a:cs typeface="Times New Roman" pitchFamily="18" charset="0"/>
             </a:endParaRPr>
+          </a:p>
+          <a:p>
+            <a:pPr marL="457200" indent="-457200">
+              <a:spcBef>
+                <a:spcPct val="20000"/>
+              </a:spcBef>
+              <a:buFont typeface="+mj-lt"/>
+              <a:buAutoNum type="arabicPeriod"/>
+              <a:defRPr/>
+            </a:pPr>
+            <a:r>
+              <a:rPr lang="ru-RU" sz="2000" dirty="0">
+                <a:latin typeface="Times New Roman" pitchFamily="18" charset="0"/>
+                <a:cs typeface="Times New Roman" pitchFamily="18" charset="0"/>
+              </a:rPr>
+              <a:t>Медицинские информационные </a:t>
+            </a:r>
+            <a:r>
+              <a:rPr lang="ru-RU" sz="2000" dirty="0" smtClean="0">
+                <a:latin typeface="Times New Roman" pitchFamily="18" charset="0"/>
+                <a:cs typeface="Times New Roman" pitchFamily="18" charset="0"/>
+              </a:rPr>
+              <a:t>системы – </a:t>
+            </a:r>
+            <a:r>
+              <a:rPr lang="ru-RU" sz="2000" dirty="0">
+                <a:latin typeface="Times New Roman" pitchFamily="18" charset="0"/>
+                <a:cs typeface="Times New Roman" pitchFamily="18" charset="0"/>
+              </a:rPr>
+              <a:t>решения, поддерживающие процедуру </a:t>
+            </a:r>
+            <a:r>
+              <a:rPr lang="ru-RU" sz="2000" dirty="0" smtClean="0">
+                <a:latin typeface="Times New Roman" pitchFamily="18" charset="0"/>
+                <a:cs typeface="Times New Roman" pitchFamily="18" charset="0"/>
+              </a:rPr>
+              <a:t>ВЛЭ для отраслевых стационаров</a:t>
+            </a:r>
+            <a:r>
+              <a:rPr lang="ru-RU" sz="2000" dirty="0">
+                <a:latin typeface="Times New Roman" pitchFamily="18" charset="0"/>
+                <a:cs typeface="Times New Roman" pitchFamily="18" charset="0"/>
+              </a:rPr>
+              <a:t>, поликлиник и </a:t>
+            </a:r>
+            <a:r>
+              <a:rPr lang="ru-RU" sz="2000" dirty="0" smtClean="0">
+                <a:latin typeface="Times New Roman" pitchFamily="18" charset="0"/>
+                <a:cs typeface="Times New Roman" pitchFamily="18" charset="0"/>
+              </a:rPr>
+              <a:t>санаториев</a:t>
+            </a:r>
+            <a:r>
+              <a:rPr lang="ru-RU" sz="2000" dirty="0">
+                <a:latin typeface="Times New Roman" pitchFamily="18" charset="0"/>
+                <a:cs typeface="Times New Roman" pitchFamily="18" charset="0"/>
+              </a:rPr>
+              <a:t>. </a:t>
+            </a:r>
+          </a:p>
+          <a:p>
+            <a:pPr marL="457200" indent="-457200">
+              <a:spcBef>
+                <a:spcPct val="20000"/>
+              </a:spcBef>
+              <a:buFont typeface="+mj-lt"/>
+              <a:buAutoNum type="arabicPeriod"/>
+              <a:defRPr/>
+            </a:pPr>
+            <a:r>
+              <a:rPr lang="ru-RU" sz="2000" dirty="0">
+                <a:latin typeface="Times New Roman" pitchFamily="18" charset="0"/>
+                <a:cs typeface="Times New Roman" pitchFamily="18" charset="0"/>
+              </a:rPr>
+              <a:t>Устройства цифровой медицины – </a:t>
+            </a:r>
+            <a:r>
+              <a:rPr lang="ru-RU" sz="2000" dirty="0" err="1">
+                <a:latin typeface="Times New Roman" pitchFamily="18" charset="0"/>
+                <a:cs typeface="Times New Roman" pitchFamily="18" charset="0"/>
+              </a:rPr>
+              <a:t>интернет-вещи</a:t>
+            </a:r>
+            <a:r>
+              <a:rPr lang="ru-RU" sz="2000" dirty="0">
+                <a:latin typeface="Times New Roman" pitchFamily="18" charset="0"/>
+                <a:cs typeface="Times New Roman" pitchFamily="18" charset="0"/>
+              </a:rPr>
+              <a:t> (</a:t>
+            </a:r>
+            <a:r>
+              <a:rPr lang="ru-RU" sz="2000" dirty="0" err="1">
+                <a:latin typeface="Times New Roman" pitchFamily="18" charset="0"/>
+                <a:cs typeface="Times New Roman" pitchFamily="18" charset="0"/>
+              </a:rPr>
+              <a:t>IoT</a:t>
+            </a:r>
+            <a:r>
+              <a:rPr lang="ru-RU" sz="2000" dirty="0">
+                <a:latin typeface="Times New Roman" pitchFamily="18" charset="0"/>
+                <a:cs typeface="Times New Roman" pitchFamily="18" charset="0"/>
+              </a:rPr>
+              <a:t>) – носимые </a:t>
+            </a:r>
+            <a:r>
+              <a:rPr lang="ru-RU" sz="2000" dirty="0" smtClean="0">
+                <a:latin typeface="Times New Roman" pitchFamily="18" charset="0"/>
+                <a:cs typeface="Times New Roman" pitchFamily="18" charset="0"/>
+              </a:rPr>
+              <a:t>и </a:t>
+            </a:r>
+            <a:r>
+              <a:rPr lang="ru-RU" sz="2000" dirty="0">
+                <a:latin typeface="Times New Roman" pitchFamily="18" charset="0"/>
+                <a:cs typeface="Times New Roman" pitchFamily="18" charset="0"/>
+              </a:rPr>
+              <a:t>встраиваемые </a:t>
+            </a:r>
+            <a:r>
+              <a:rPr lang="ru-RU" sz="2000" dirty="0" smtClean="0">
+                <a:latin typeface="Times New Roman" pitchFamily="18" charset="0"/>
+                <a:cs typeface="Times New Roman" pitchFamily="18" charset="0"/>
+              </a:rPr>
+              <a:t>устройства </a:t>
+            </a:r>
+            <a:r>
+              <a:rPr lang="ru-RU" sz="2000" dirty="0" err="1">
+                <a:latin typeface="Times New Roman" pitchFamily="18" charset="0"/>
+                <a:cs typeface="Times New Roman" pitchFamily="18" charset="0"/>
+              </a:rPr>
+              <a:t>микроэлекторники</a:t>
+            </a:r>
+            <a:r>
+              <a:rPr lang="ru-RU" sz="2000" dirty="0">
+                <a:latin typeface="Times New Roman" pitchFamily="18" charset="0"/>
+                <a:cs typeface="Times New Roman" pitchFamily="18" charset="0"/>
+              </a:rPr>
+              <a:t> для контроля показателей жизнедеятельности (здоровья) авиаспециалистов.</a:t>
+            </a:r>
           </a:p>
           <a:p>
             <a:pPr marL="457200" indent="-457200">
@@ -6437,13 +6331,10 @@
               </a:spcBef>
               <a:defRPr/>
             </a:pPr>
-            <a:r>
-              <a:rPr lang="ru-RU" sz="2000" dirty="0">
-                <a:latin typeface="Times New Roman" pitchFamily="18" charset="0"/>
-                <a:cs typeface="Times New Roman" pitchFamily="18" charset="0"/>
-              </a:rPr>
-              <a:t>                                </a:t>
-            </a:r>
+            <a:endParaRPr lang="ru-RU" sz="2000" dirty="0">
+              <a:latin typeface="Times New Roman" pitchFamily="18" charset="0"/>
+              <a:cs typeface="Times New Roman" pitchFamily="18" charset="0"/>
+            </a:endParaRPr>
           </a:p>
           <a:p>
             <a:pPr marL="457200" indent="-457200">
@@ -6452,684 +6343,13 @@
               </a:spcBef>
               <a:defRPr/>
             </a:pPr>
-            <a:r>
-              <a:rPr lang="ru-RU" sz="2000" dirty="0">
-                <a:latin typeface="Times New Roman" pitchFamily="18" charset="0"/>
-                <a:cs typeface="Times New Roman" pitchFamily="18" charset="0"/>
-              </a:rPr>
-              <a:t>                                                                                                        </a:t>
-            </a:r>
-            <a:r>
-              <a:rPr lang="ru-RU" sz="2000" dirty="0" smtClean="0">
-                <a:latin typeface="Times New Roman" pitchFamily="18" charset="0"/>
-                <a:cs typeface="Times New Roman" pitchFamily="18" charset="0"/>
-              </a:rPr>
-              <a:t>           (</a:t>
-            </a:r>
-            <a:r>
-              <a:rPr lang="ru-RU" sz="2000" dirty="0">
-                <a:latin typeface="Times New Roman" pitchFamily="18" charset="0"/>
-                <a:cs typeface="Times New Roman" pitchFamily="18" charset="0"/>
-              </a:rPr>
-              <a:t>1</a:t>
-            </a:r>
-            <a:r>
-              <a:rPr lang="ru-RU" sz="2000" dirty="0" smtClean="0">
-                <a:latin typeface="Times New Roman" pitchFamily="18" charset="0"/>
-                <a:cs typeface="Times New Roman" pitchFamily="18" charset="0"/>
-              </a:rPr>
-              <a:t>)</a:t>
-            </a:r>
-          </a:p>
-          <a:p>
-            <a:pPr marL="457200" indent="-457200">
-              <a:spcBef>
-                <a:spcPct val="20000"/>
-              </a:spcBef>
-              <a:defRPr/>
-            </a:pPr>
-            <a:endParaRPr lang="ru-RU" sz="2000" dirty="0">
+            <a:endParaRPr lang="ru-RU" sz="2400" dirty="0">
               <a:latin typeface="Times New Roman" pitchFamily="18" charset="0"/>
               <a:cs typeface="Times New Roman" pitchFamily="18" charset="0"/>
             </a:endParaRPr>
           </a:p>
-          <a:p>
-            <a:pPr marL="457200" indent="-457200">
-              <a:spcBef>
-                <a:spcPct val="20000"/>
-              </a:spcBef>
-              <a:defRPr/>
-            </a:pPr>
-            <a:r>
-              <a:rPr lang="ru-RU" sz="2000" dirty="0">
-                <a:latin typeface="Times New Roman" pitchFamily="18" charset="0"/>
-                <a:cs typeface="Times New Roman" pitchFamily="18" charset="0"/>
-              </a:rPr>
-              <a:t>                                                                                                        </a:t>
-            </a:r>
-            <a:r>
-              <a:rPr lang="ru-RU" sz="2000" dirty="0" smtClean="0">
-                <a:latin typeface="Times New Roman" pitchFamily="18" charset="0"/>
-                <a:cs typeface="Times New Roman" pitchFamily="18" charset="0"/>
-              </a:rPr>
-              <a:t>           (</a:t>
-            </a:r>
-            <a:r>
-              <a:rPr lang="ru-RU" sz="2000" dirty="0">
-                <a:latin typeface="Times New Roman" pitchFamily="18" charset="0"/>
-                <a:cs typeface="Times New Roman" pitchFamily="18" charset="0"/>
-              </a:rPr>
-              <a:t>2)</a:t>
-            </a:r>
-          </a:p>
-          <a:p>
-            <a:pPr marL="457200" indent="-457200">
-              <a:spcBef>
-                <a:spcPct val="20000"/>
-              </a:spcBef>
-              <a:defRPr/>
-            </a:pPr>
-            <a:r>
-              <a:rPr lang="ru-RU" sz="2000" dirty="0">
-                <a:latin typeface="Times New Roman" pitchFamily="18" charset="0"/>
-                <a:cs typeface="Times New Roman" pitchFamily="18" charset="0"/>
-              </a:rPr>
-              <a:t>Максимизация функции прибыли:</a:t>
-            </a:r>
-          </a:p>
-          <a:p>
-            <a:pPr marL="457200" indent="-457200">
-              <a:spcBef>
-                <a:spcPct val="20000"/>
-              </a:spcBef>
-              <a:defRPr/>
-            </a:pPr>
-            <a:endParaRPr lang="ru-RU" sz="2000" dirty="0">
-              <a:latin typeface="Times New Roman" pitchFamily="18" charset="0"/>
-              <a:cs typeface="Times New Roman" pitchFamily="18" charset="0"/>
-            </a:endParaRPr>
-          </a:p>
-          <a:p>
-            <a:pPr marL="457200" indent="-457200">
-              <a:spcBef>
-                <a:spcPct val="20000"/>
-              </a:spcBef>
-              <a:defRPr/>
-            </a:pPr>
-            <a:r>
-              <a:rPr lang="ru-RU" sz="2000" dirty="0">
-                <a:latin typeface="Times New Roman" pitchFamily="18" charset="0"/>
-                <a:cs typeface="Times New Roman" pitchFamily="18" charset="0"/>
-              </a:rPr>
-              <a:t>                                                                                                         </a:t>
-            </a:r>
-            <a:r>
-              <a:rPr lang="ru-RU" sz="2000" dirty="0" smtClean="0">
-                <a:latin typeface="Times New Roman" pitchFamily="18" charset="0"/>
-                <a:cs typeface="Times New Roman" pitchFamily="18" charset="0"/>
-              </a:rPr>
-              <a:t>          (</a:t>
-            </a:r>
-            <a:r>
-              <a:rPr lang="ru-RU" sz="2000" dirty="0">
-                <a:latin typeface="Times New Roman" pitchFamily="18" charset="0"/>
-                <a:cs typeface="Times New Roman" pitchFamily="18" charset="0"/>
-              </a:rPr>
-              <a:t>3)</a:t>
-            </a:r>
-          </a:p>
-          <a:p>
-            <a:pPr marL="457200" indent="-457200">
-              <a:spcBef>
-                <a:spcPct val="20000"/>
-              </a:spcBef>
-              <a:defRPr/>
-            </a:pPr>
-            <a:endParaRPr lang="ru-RU" sz="2000" dirty="0">
-              <a:latin typeface="Times New Roman" pitchFamily="18" charset="0"/>
-              <a:cs typeface="Times New Roman" pitchFamily="18" charset="0"/>
-            </a:endParaRPr>
-          </a:p>
-          <a:p>
-            <a:pPr marL="457200" indent="-457200">
-              <a:spcBef>
-                <a:spcPct val="20000"/>
-              </a:spcBef>
-              <a:defRPr/>
-            </a:pPr>
-            <a:r>
-              <a:rPr lang="ru-RU" sz="2000" dirty="0">
-                <a:latin typeface="Times New Roman" pitchFamily="18" charset="0"/>
-                <a:cs typeface="Times New Roman" pitchFamily="18" charset="0"/>
-              </a:rPr>
-              <a:t>                                                                                                         </a:t>
-            </a:r>
-            <a:r>
-              <a:rPr lang="ru-RU" sz="2000" dirty="0" smtClean="0">
-                <a:latin typeface="Times New Roman" pitchFamily="18" charset="0"/>
-                <a:cs typeface="Times New Roman" pitchFamily="18" charset="0"/>
-              </a:rPr>
-              <a:t>          </a:t>
-            </a:r>
-            <a:r>
-              <a:rPr lang="ru-RU" sz="2000" dirty="0">
-                <a:latin typeface="Times New Roman" pitchFamily="18" charset="0"/>
-                <a:cs typeface="Times New Roman" pitchFamily="18" charset="0"/>
-              </a:rPr>
-              <a:t>(4)</a:t>
-            </a:r>
-          </a:p>
-          <a:p>
-            <a:pPr marL="457200" indent="-457200">
-              <a:spcBef>
-                <a:spcPct val="20000"/>
-              </a:spcBef>
-              <a:defRPr/>
-            </a:pPr>
-            <a:endParaRPr lang="ru-RU" sz="2000" dirty="0">
-              <a:latin typeface="Times New Roman" pitchFamily="18" charset="0"/>
-              <a:cs typeface="Times New Roman" pitchFamily="18" charset="0"/>
-            </a:endParaRPr>
-          </a:p>
-          <a:p>
-            <a:pPr marL="457200" indent="-457200">
-              <a:spcBef>
-                <a:spcPct val="20000"/>
-              </a:spcBef>
-              <a:defRPr/>
-            </a:pPr>
-            <a:r>
-              <a:rPr lang="ru-RU" sz="2000" dirty="0">
-                <a:latin typeface="Times New Roman" pitchFamily="18" charset="0"/>
-                <a:cs typeface="Times New Roman" pitchFamily="18" charset="0"/>
-              </a:rPr>
-              <a:t>                                                                                                           </a:t>
-            </a:r>
-            <a:r>
-              <a:rPr lang="ru-RU" sz="2000" dirty="0" smtClean="0">
-                <a:latin typeface="Times New Roman" pitchFamily="18" charset="0"/>
-                <a:cs typeface="Times New Roman" pitchFamily="18" charset="0"/>
-              </a:rPr>
-              <a:t>        (</a:t>
-            </a:r>
-            <a:r>
-              <a:rPr lang="ru-RU" sz="2000" dirty="0">
-                <a:latin typeface="Times New Roman" pitchFamily="18" charset="0"/>
-                <a:cs typeface="Times New Roman" pitchFamily="18" charset="0"/>
-              </a:rPr>
-              <a:t>5)</a:t>
-            </a:r>
-          </a:p>
-        </p:txBody>
-      </p:sp>
-      <p:sp>
-        <p:nvSpPr>
-          <p:cNvPr id="12304" name="Rectangle 16"/>
-          <p:cNvSpPr>
-            <a:spLocks noChangeArrowheads="1"/>
-          </p:cNvSpPr>
-          <p:nvPr/>
-        </p:nvSpPr>
-        <p:spPr bwMode="auto">
-          <a:xfrm>
-            <a:off x="0" y="0"/>
-            <a:ext cx="9144000" cy="0"/>
-          </a:xfrm>
-          <a:prstGeom prst="rect">
-            <a:avLst/>
-          </a:prstGeom>
-          <a:noFill/>
-          <a:ln w="9525">
-            <a:noFill/>
-            <a:miter lim="800000"/>
-            <a:headEnd/>
-            <a:tailEnd/>
-          </a:ln>
-          <a:effectLst/>
-        </p:spPr>
-        <p:txBody>
-          <a:bodyPr vert="horz" wrap="none" lIns="91440" tIns="45720" rIns="91440" bIns="45720" numCol="1" anchor="ctr" anchorCtr="0" compatLnSpc="1">
-            <a:prstTxWarp prst="textNoShape">
-              <a:avLst/>
-            </a:prstTxWarp>
-            <a:spAutoFit/>
-          </a:bodyPr>
-          <a:lstStyle/>
-          <a:p>
-            <a:endParaRPr lang="ru-RU"/>
-          </a:p>
-        </p:txBody>
-      </p:sp>
-      <p:pic>
-        <p:nvPicPr>
-          <p:cNvPr id="12303" name="Picture 15"/>
-          <p:cNvPicPr>
-            <a:picLocks noChangeAspect="1" noChangeArrowheads="1"/>
-          </p:cNvPicPr>
-          <p:nvPr/>
-        </p:nvPicPr>
-        <p:blipFill>
-          <a:blip r:embed="rId2" cstate="print">
-            <a:clrChange>
-              <a:clrFrom>
-                <a:srgbClr val="FFFFFF"/>
-              </a:clrFrom>
-              <a:clrTo>
-                <a:srgbClr val="FFFFFF">
-                  <a:alpha val="0"/>
-                </a:srgbClr>
-              </a:clrTo>
-            </a:clrChange>
-          </a:blip>
-          <a:srcRect/>
-          <a:stretch>
-            <a:fillRect/>
-          </a:stretch>
-        </p:blipFill>
-        <p:spPr bwMode="auto">
-          <a:xfrm>
-            <a:off x="2123728" y="1288147"/>
-            <a:ext cx="1861130" cy="340653"/>
-          </a:xfrm>
-          <a:prstGeom prst="rect">
-            <a:avLst/>
-          </a:prstGeom>
-          <a:noFill/>
-        </p:spPr>
-      </p:pic>
-      <p:sp>
-        <p:nvSpPr>
-          <p:cNvPr id="12306" name="Rectangle 18"/>
-          <p:cNvSpPr>
-            <a:spLocks noChangeArrowheads="1"/>
-          </p:cNvSpPr>
-          <p:nvPr/>
-        </p:nvSpPr>
-        <p:spPr bwMode="auto">
-          <a:xfrm>
-            <a:off x="0" y="0"/>
-            <a:ext cx="9144000" cy="0"/>
-          </a:xfrm>
-          <a:prstGeom prst="rect">
-            <a:avLst/>
-          </a:prstGeom>
-          <a:noFill/>
-          <a:ln w="9525">
-            <a:noFill/>
-            <a:miter lim="800000"/>
-            <a:headEnd/>
-            <a:tailEnd/>
-          </a:ln>
-          <a:effectLst/>
-        </p:spPr>
-        <p:txBody>
-          <a:bodyPr vert="horz" wrap="none" lIns="91440" tIns="45720" rIns="91440" bIns="45720" numCol="1" anchor="ctr" anchorCtr="0" compatLnSpc="1">
-            <a:prstTxWarp prst="textNoShape">
-              <a:avLst/>
-            </a:prstTxWarp>
-            <a:spAutoFit/>
-          </a:bodyPr>
-          <a:lstStyle/>
-          <a:p>
-            <a:endParaRPr lang="ru-RU"/>
-          </a:p>
-        </p:txBody>
-      </p:sp>
-      <p:pic>
-        <p:nvPicPr>
-          <p:cNvPr id="12305" name="Picture 17"/>
-          <p:cNvPicPr>
-            <a:picLocks noChangeAspect="1" noChangeArrowheads="1"/>
-          </p:cNvPicPr>
-          <p:nvPr/>
-        </p:nvPicPr>
-        <p:blipFill>
-          <a:blip r:embed="rId3" cstate="print">
-            <a:clrChange>
-              <a:clrFrom>
-                <a:srgbClr val="FFFFFF"/>
-              </a:clrFrom>
-              <a:clrTo>
-                <a:srgbClr val="FFFFFF">
-                  <a:alpha val="0"/>
-                </a:srgbClr>
-              </a:clrTo>
-            </a:clrChange>
-          </a:blip>
-          <a:srcRect/>
-          <a:stretch>
-            <a:fillRect/>
-          </a:stretch>
-        </p:blipFill>
-        <p:spPr bwMode="auto">
-          <a:xfrm>
-            <a:off x="3275856" y="1576179"/>
-            <a:ext cx="980417" cy="340653"/>
-          </a:xfrm>
-          <a:prstGeom prst="rect">
-            <a:avLst/>
-          </a:prstGeom>
-          <a:noFill/>
-        </p:spPr>
-      </p:pic>
-      <p:sp>
-        <p:nvSpPr>
-          <p:cNvPr id="12308" name="Rectangle 20"/>
-          <p:cNvSpPr>
-            <a:spLocks noChangeArrowheads="1"/>
-          </p:cNvSpPr>
-          <p:nvPr/>
-        </p:nvSpPr>
-        <p:spPr bwMode="auto">
-          <a:xfrm>
-            <a:off x="0" y="0"/>
-            <a:ext cx="9144000" cy="0"/>
-          </a:xfrm>
-          <a:prstGeom prst="rect">
-            <a:avLst/>
-          </a:prstGeom>
-          <a:noFill/>
-          <a:ln w="9525">
-            <a:noFill/>
-            <a:miter lim="800000"/>
-            <a:headEnd/>
-            <a:tailEnd/>
-          </a:ln>
-          <a:effectLst/>
-        </p:spPr>
-        <p:txBody>
-          <a:bodyPr vert="horz" wrap="none" lIns="91440" tIns="45720" rIns="91440" bIns="45720" numCol="1" anchor="ctr" anchorCtr="0" compatLnSpc="1">
-            <a:prstTxWarp prst="textNoShape">
-              <a:avLst/>
-            </a:prstTxWarp>
-            <a:spAutoFit/>
-          </a:bodyPr>
-          <a:lstStyle/>
-          <a:p>
-            <a:endParaRPr lang="ru-RU"/>
-          </a:p>
-        </p:txBody>
-      </p:sp>
-      <p:pic>
-        <p:nvPicPr>
-          <p:cNvPr id="12307" name="Picture 19"/>
-          <p:cNvPicPr>
-            <a:picLocks noChangeAspect="1" noChangeArrowheads="1"/>
-          </p:cNvPicPr>
-          <p:nvPr/>
-        </p:nvPicPr>
-        <p:blipFill>
-          <a:blip r:embed="rId4" cstate="print">
-            <a:clrChange>
-              <a:clrFrom>
-                <a:srgbClr val="FFFFFF"/>
-              </a:clrFrom>
-              <a:clrTo>
-                <a:srgbClr val="FFFFFF">
-                  <a:alpha val="0"/>
-                </a:srgbClr>
-              </a:clrTo>
-            </a:clrChange>
-          </a:blip>
-          <a:srcRect/>
-          <a:stretch>
-            <a:fillRect/>
-          </a:stretch>
-        </p:blipFill>
-        <p:spPr bwMode="auto">
-          <a:xfrm>
-            <a:off x="2483768" y="1916832"/>
-            <a:ext cx="1188132" cy="348962"/>
-          </a:xfrm>
-          <a:prstGeom prst="rect">
-            <a:avLst/>
-          </a:prstGeom>
-          <a:noFill/>
-        </p:spPr>
-      </p:pic>
-      <p:sp>
-        <p:nvSpPr>
-          <p:cNvPr id="12312" name="Rectangle 24"/>
-          <p:cNvSpPr>
-            <a:spLocks noChangeArrowheads="1"/>
-          </p:cNvSpPr>
-          <p:nvPr/>
-        </p:nvSpPr>
-        <p:spPr bwMode="auto">
-          <a:xfrm>
-            <a:off x="0" y="0"/>
-            <a:ext cx="9144000" cy="0"/>
-          </a:xfrm>
-          <a:prstGeom prst="rect">
-            <a:avLst/>
-          </a:prstGeom>
-          <a:noFill/>
-          <a:ln w="9525">
-            <a:noFill/>
-            <a:miter lim="800000"/>
-            <a:headEnd/>
-            <a:tailEnd/>
-          </a:ln>
-          <a:effectLst/>
-        </p:spPr>
-        <p:txBody>
-          <a:bodyPr vert="horz" wrap="none" lIns="91440" tIns="45720" rIns="91440" bIns="45720" numCol="1" anchor="ctr" anchorCtr="0" compatLnSpc="1">
-            <a:prstTxWarp prst="textNoShape">
-              <a:avLst/>
-            </a:prstTxWarp>
-            <a:spAutoFit/>
-          </a:bodyPr>
-          <a:lstStyle/>
-          <a:p>
-            <a:endParaRPr lang="ru-RU"/>
-          </a:p>
-        </p:txBody>
-      </p:sp>
-      <p:pic>
-        <p:nvPicPr>
-          <p:cNvPr id="12313" name="Picture 25" descr="C:\Users\Евгений\Desktop\Screenshot_11.png"/>
-          <p:cNvPicPr>
-            <a:picLocks noChangeAspect="1" noChangeArrowheads="1"/>
-          </p:cNvPicPr>
-          <p:nvPr/>
-        </p:nvPicPr>
-        <p:blipFill>
-          <a:blip r:embed="rId5" cstate="print"/>
-          <a:srcRect/>
-          <a:stretch>
-            <a:fillRect/>
-          </a:stretch>
-        </p:blipFill>
-        <p:spPr bwMode="auto">
-          <a:xfrm>
-            <a:off x="4211960" y="1916832"/>
-            <a:ext cx="1584176" cy="396044"/>
-          </a:xfrm>
-          <a:prstGeom prst="rect">
-            <a:avLst/>
-          </a:prstGeom>
-          <a:noFill/>
-        </p:spPr>
-      </p:pic>
-      <p:pic>
-        <p:nvPicPr>
-          <p:cNvPr id="12314" name="Picture 26" descr="C:\Users\Евгений\Desktop\Screenshot_13.png"/>
-          <p:cNvPicPr>
-            <a:picLocks noChangeAspect="1" noChangeArrowheads="1"/>
-          </p:cNvPicPr>
-          <p:nvPr/>
-        </p:nvPicPr>
-        <p:blipFill>
-          <a:blip r:embed="rId6" cstate="print"/>
-          <a:srcRect/>
-          <a:stretch>
-            <a:fillRect/>
-          </a:stretch>
-        </p:blipFill>
-        <p:spPr bwMode="auto">
-          <a:xfrm>
-            <a:off x="3131840" y="2564904"/>
-            <a:ext cx="2448271" cy="401485"/>
-          </a:xfrm>
-          <a:prstGeom prst="rect">
-            <a:avLst/>
-          </a:prstGeom>
-          <a:noFill/>
-        </p:spPr>
-      </p:pic>
-      <p:sp>
-        <p:nvSpPr>
-          <p:cNvPr id="12316" name="Rectangle 28"/>
-          <p:cNvSpPr>
-            <a:spLocks noChangeArrowheads="1"/>
-          </p:cNvSpPr>
-          <p:nvPr/>
-        </p:nvSpPr>
-        <p:spPr bwMode="auto">
-          <a:xfrm>
-            <a:off x="0" y="0"/>
-            <a:ext cx="9144000" cy="0"/>
-          </a:xfrm>
-          <a:prstGeom prst="rect">
-            <a:avLst/>
-          </a:prstGeom>
-          <a:noFill/>
-          <a:ln w="9525">
-            <a:noFill/>
-            <a:miter lim="800000"/>
-            <a:headEnd/>
-            <a:tailEnd/>
-          </a:ln>
-          <a:effectLst/>
-        </p:spPr>
-        <p:txBody>
-          <a:bodyPr vert="horz" wrap="none" lIns="91440" tIns="45720" rIns="91440" bIns="45720" numCol="1" anchor="ctr" anchorCtr="0" compatLnSpc="1">
-            <a:prstTxWarp prst="textNoShape">
-              <a:avLst/>
-            </a:prstTxWarp>
-            <a:spAutoFit/>
-          </a:bodyPr>
-          <a:lstStyle/>
-          <a:p>
-            <a:endParaRPr lang="ru-RU"/>
-          </a:p>
-        </p:txBody>
-      </p:sp>
-      <p:pic>
-        <p:nvPicPr>
-          <p:cNvPr id="12315" name="Picture 27"/>
-          <p:cNvPicPr>
-            <a:picLocks noChangeAspect="1" noChangeArrowheads="1"/>
-          </p:cNvPicPr>
-          <p:nvPr/>
-        </p:nvPicPr>
-        <p:blipFill>
-          <a:blip r:embed="rId7" cstate="print">
-            <a:clrChange>
-              <a:clrFrom>
-                <a:srgbClr val="FFFFFF"/>
-              </a:clrFrom>
-              <a:clrTo>
-                <a:srgbClr val="FFFFFF">
-                  <a:alpha val="0"/>
-                </a:srgbClr>
-              </a:clrTo>
-            </a:clrChange>
-          </a:blip>
-          <a:srcRect/>
-          <a:stretch>
-            <a:fillRect/>
-          </a:stretch>
-        </p:blipFill>
-        <p:spPr bwMode="auto">
-          <a:xfrm>
-            <a:off x="2483768" y="3356992"/>
-            <a:ext cx="4019550" cy="361950"/>
-          </a:xfrm>
-          <a:prstGeom prst="rect">
-            <a:avLst/>
-          </a:prstGeom>
-          <a:noFill/>
-        </p:spPr>
-      </p:pic>
-      <p:pic>
-        <p:nvPicPr>
-          <p:cNvPr id="12317" name="Picture 29" descr="C:\Users\Евгений\Desktop\Screenshot_14.png"/>
-          <p:cNvPicPr>
-            <a:picLocks noChangeAspect="1" noChangeArrowheads="1"/>
-          </p:cNvPicPr>
-          <p:nvPr/>
-        </p:nvPicPr>
-        <p:blipFill>
-          <a:blip r:embed="rId8" cstate="print"/>
-          <a:srcRect/>
-          <a:stretch>
-            <a:fillRect/>
-          </a:stretch>
-        </p:blipFill>
-        <p:spPr bwMode="auto">
-          <a:xfrm>
-            <a:off x="2303612" y="5877272"/>
-            <a:ext cx="4572000" cy="552450"/>
-          </a:xfrm>
-          <a:prstGeom prst="rect">
-            <a:avLst/>
-          </a:prstGeom>
-          <a:noFill/>
-        </p:spPr>
-      </p:pic>
-      <p:pic>
-        <p:nvPicPr>
-          <p:cNvPr id="12318" name="Picture 30" descr="C:\Users\Евгений\Desktop\Screenshot_15.png"/>
-          <p:cNvPicPr>
-            <a:picLocks noChangeAspect="1" noChangeArrowheads="1"/>
-          </p:cNvPicPr>
-          <p:nvPr/>
-        </p:nvPicPr>
-        <p:blipFill>
-          <a:blip r:embed="rId9" cstate="print"/>
-          <a:srcRect/>
-          <a:stretch>
-            <a:fillRect/>
-          </a:stretch>
-        </p:blipFill>
-        <p:spPr bwMode="auto">
-          <a:xfrm>
-            <a:off x="2627784" y="5229200"/>
-            <a:ext cx="3924300" cy="419100"/>
-          </a:xfrm>
-          <a:prstGeom prst="rect">
-            <a:avLst/>
-          </a:prstGeom>
-          <a:noFill/>
-        </p:spPr>
-      </p:pic>
-      <p:pic>
-        <p:nvPicPr>
-          <p:cNvPr id="12319" name="Picture 31" descr="C:\Users\Евгений\Desktop\Screenshot_16.png"/>
-          <p:cNvPicPr>
-            <a:picLocks noChangeAspect="1" noChangeArrowheads="1"/>
-          </p:cNvPicPr>
-          <p:nvPr/>
-        </p:nvPicPr>
-        <p:blipFill>
-          <a:blip r:embed="rId10" cstate="print"/>
-          <a:srcRect/>
-          <a:stretch>
-            <a:fillRect/>
-          </a:stretch>
-        </p:blipFill>
-        <p:spPr bwMode="auto">
-          <a:xfrm>
-            <a:off x="2231604" y="4365104"/>
-            <a:ext cx="4667250" cy="590550"/>
-          </a:xfrm>
-          <a:prstGeom prst="rect">
-            <a:avLst/>
-          </a:prstGeom>
-          <a:noFill/>
-        </p:spPr>
-      </p:pic>
+        </p:txBody>
+      </p:sp>
     </p:spTree>
   </p:cSld>
   <p:clrMapOvr>
@@ -7776,26 +6996,8 @@
                 <a:latin typeface="Times New Roman" pitchFamily="18" charset="0"/>
                 <a:cs typeface="Times New Roman" pitchFamily="18" charset="0"/>
               </a:rPr>
-              <a:t>Схема </a:t>
-            </a:r>
-            <a:r>
-              <a:rPr lang="ru-RU" sz="2800" dirty="0" smtClean="0">
-                <a:latin typeface="Times New Roman" pitchFamily="18" charset="0"/>
-                <a:cs typeface="Times New Roman" pitchFamily="18" charset="0"/>
-              </a:rPr>
-              <a:t>применения МГК на основных этапах жизненного цикла </a:t>
-            </a:r>
-            <a:r>
-              <a:rPr lang="ru-RU" sz="2800" dirty="0" smtClean="0">
-                <a:latin typeface="Times New Roman" pitchFamily="18" charset="0"/>
-                <a:cs typeface="Times New Roman" pitchFamily="18" charset="0"/>
-              </a:rPr>
-              <a:t>продукции</a:t>
-            </a:r>
-            <a:endParaRPr lang="ru-RU" sz="2800" dirty="0" smtClean="0">
-              <a:latin typeface="Times New Roman" pitchFamily="18" charset="0"/>
-              <a:cs typeface="Times New Roman" pitchFamily="18" charset="0"/>
-            </a:endParaRPr>
+              <a:t>Схема применения МГК на основных этапах жизненного цикла продукции</a:t>
+            </a:r>
           </a:p>
         </p:txBody>
       </p:sp>
@@ -8050,26 +7252,16 @@
               <a:t> </a:t>
             </a:r>
             <a:r>
-              <a:rPr lang="ru-RU" sz="2000" dirty="0">
-                <a:latin typeface="Times New Roman" pitchFamily="18" charset="0"/>
-                <a:cs typeface="Times New Roman" pitchFamily="18" charset="0"/>
-              </a:rPr>
-              <a:t>(6)                                          </a:t>
-            </a:r>
-            <a:r>
               <a:rPr lang="ru-RU" sz="2000" dirty="0" smtClean="0">
                 <a:latin typeface="Times New Roman" pitchFamily="18" charset="0"/>
                 <a:cs typeface="Times New Roman" pitchFamily="18" charset="0"/>
               </a:rPr>
-              <a:t>                     </a:t>
-            </a:r>
-            <a:r>
-              <a:rPr lang="ru-RU" sz="2000" dirty="0">
-                <a:latin typeface="Times New Roman" pitchFamily="18" charset="0"/>
-                <a:cs typeface="Times New Roman" pitchFamily="18" charset="0"/>
-              </a:rPr>
-              <a:t>(7)</a:t>
-            </a:r>
+              <a:t>                                                               </a:t>
+            </a:r>
+            <a:endParaRPr lang="ru-RU" sz="2000" dirty="0">
+              <a:latin typeface="Times New Roman" pitchFamily="18" charset="0"/>
+              <a:cs typeface="Times New Roman" pitchFamily="18" charset="0"/>
+            </a:endParaRPr>
           </a:p>
           <a:p>
             <a:pPr marL="457200" indent="-457200">
@@ -8562,7 +7754,7 @@
         </p:blipFill>
         <p:spPr bwMode="auto">
           <a:xfrm>
-            <a:off x="4067944" y="1052736"/>
+            <a:off x="3059832" y="1022251"/>
             <a:ext cx="3152775" cy="390525"/>
           </a:xfrm>
           <a:prstGeom prst="rect">
@@ -8637,7 +7829,7 @@
         </p:blipFill>
         <p:spPr bwMode="auto">
           <a:xfrm>
-            <a:off x="1475656" y="1052736"/>
+            <a:off x="3923928" y="1484784"/>
             <a:ext cx="1524000" cy="323850"/>
           </a:xfrm>
           <a:prstGeom prst="rect">
@@ -9162,15 +8354,33 @@
                 <a:latin typeface="Times New Roman" pitchFamily="18" charset="0"/>
                 <a:cs typeface="Times New Roman" pitchFamily="18" charset="0"/>
               </a:rPr>
-              <a:t>                  (</a:t>
-            </a:r>
-            <a:r>
-              <a:rPr lang="ru-RU" sz="2000" dirty="0">
-                <a:latin typeface="Times New Roman" pitchFamily="18" charset="0"/>
-                <a:cs typeface="Times New Roman" pitchFamily="18" charset="0"/>
-              </a:rPr>
-              <a:t>8)</a:t>
-            </a:r>
+              <a:t>                  </a:t>
+            </a:r>
+            <a:r>
+              <a:rPr lang="ru-RU" sz="2000" dirty="0" smtClean="0">
+                <a:latin typeface="Times New Roman" pitchFamily="18" charset="0"/>
+                <a:cs typeface="Times New Roman" pitchFamily="18" charset="0"/>
+              </a:rPr>
+              <a:t>(</a:t>
+            </a:r>
+            <a:r>
+              <a:rPr lang="en-US" sz="2000" dirty="0" smtClean="0">
+                <a:latin typeface="Times New Roman" pitchFamily="18" charset="0"/>
+                <a:cs typeface="Times New Roman" pitchFamily="18" charset="0"/>
+              </a:rPr>
+              <a:t>6</a:t>
+            </a:r>
+            <a:r>
+              <a:rPr lang="ru-RU" sz="2000" dirty="0" smtClean="0">
+                <a:latin typeface="Times New Roman" pitchFamily="18" charset="0"/>
+                <a:cs typeface="Times New Roman" pitchFamily="18" charset="0"/>
+              </a:rPr>
+              <a:t>)</a:t>
+            </a:r>
+            <a:endParaRPr lang="ru-RU" sz="2000" dirty="0">
+              <a:latin typeface="Times New Roman" pitchFamily="18" charset="0"/>
+              <a:cs typeface="Times New Roman" pitchFamily="18" charset="0"/>
+            </a:endParaRPr>
           </a:p>
           <a:p>
             <a:pPr indent="-457200">
@@ -10206,28 +9416,78 @@
                 <a:latin typeface="Times New Roman" pitchFamily="18" charset="0"/>
                 <a:cs typeface="Times New Roman" pitchFamily="18" charset="0"/>
               </a:rPr>
-              <a:t>Предварительный прогноз состояния отраслевого рынка на основе распределения долей рынка </a:t>
+              <a:t>Предварительный прогноз состояния отраслевого рынка на основе распределения долей рынка       между      основными игроками : </a:t>
+            </a:r>
+          </a:p>
+          <a:p>
+            <a:pPr indent="-457200">
+              <a:spcBef>
+                <a:spcPct val="20000"/>
+              </a:spcBef>
+            </a:pPr>
+            <a:endParaRPr lang="ru-RU" sz="2000" dirty="0">
+              <a:latin typeface="Times New Roman" pitchFamily="18" charset="0"/>
+              <a:cs typeface="Times New Roman" pitchFamily="18" charset="0"/>
+            </a:endParaRPr>
+          </a:p>
+          <a:p>
+            <a:pPr indent="-457200">
+              <a:spcBef>
+                <a:spcPct val="20000"/>
+              </a:spcBef>
+            </a:pPr>
+            <a:r>
+              <a:rPr lang="ru-RU" sz="2000" dirty="0">
+                <a:latin typeface="Times New Roman" pitchFamily="18" charset="0"/>
+                <a:cs typeface="Times New Roman" pitchFamily="18" charset="0"/>
+              </a:rPr>
+              <a:t>                                                                                                         </a:t>
             </a:r>
             <a:r>
               <a:rPr lang="ru-RU" sz="2000" dirty="0" smtClean="0">
                 <a:latin typeface="Times New Roman" pitchFamily="18" charset="0"/>
                 <a:cs typeface="Times New Roman" pitchFamily="18" charset="0"/>
               </a:rPr>
-              <a:t>      между      основными </a:t>
+              <a:t>         </a:t>
             </a:r>
             <a:r>
               <a:rPr lang="ru-RU" sz="2000" dirty="0" smtClean="0">
                 <a:latin typeface="Times New Roman" pitchFamily="18" charset="0"/>
                 <a:cs typeface="Times New Roman" pitchFamily="18" charset="0"/>
               </a:rPr>
-              <a:t>игроками </a:t>
+              <a:t>(</a:t>
+            </a:r>
+            <a:r>
+              <a:rPr lang="en-US" sz="2000" dirty="0" smtClean="0">
+                <a:latin typeface="Times New Roman" pitchFamily="18" charset="0"/>
+                <a:cs typeface="Times New Roman" pitchFamily="18" charset="0"/>
+              </a:rPr>
+              <a:t>7</a:t>
             </a:r>
             <a:r>
               <a:rPr lang="ru-RU" sz="2000" dirty="0" smtClean="0">
                 <a:latin typeface="Times New Roman" pitchFamily="18" charset="0"/>
                 <a:cs typeface="Times New Roman" pitchFamily="18" charset="0"/>
               </a:rPr>
-              <a:t>: </a:t>
+              <a:t>)</a:t>
+            </a:r>
+            <a:endParaRPr lang="ru-RU" sz="2000" dirty="0">
+              <a:latin typeface="Times New Roman" pitchFamily="18" charset="0"/>
+              <a:cs typeface="Times New Roman" pitchFamily="18" charset="0"/>
+            </a:endParaRPr>
+          </a:p>
+          <a:p>
+            <a:pPr indent="-457200">
+              <a:spcBef>
+                <a:spcPct val="20000"/>
+              </a:spcBef>
+            </a:pPr>
+            <a:r>
+              <a:rPr lang="ru-RU" sz="2000" dirty="0">
+                <a:latin typeface="Times New Roman" pitchFamily="18" charset="0"/>
+                <a:cs typeface="Times New Roman" pitchFamily="18" charset="0"/>
+              </a:rPr>
+              <a:t>        </a:t>
             </a:r>
             <a:endParaRPr lang="ru-RU" sz="2000" dirty="0" smtClean="0">
               <a:latin typeface="Times New Roman" pitchFamily="18" charset="0"/>
@@ -10240,6 +9500,90 @@
                 <a:spcPct val="20000"/>
               </a:spcBef>
             </a:pPr>
+            <a:r>
+              <a:rPr lang="ru-RU" sz="2000" dirty="0">
+                <a:latin typeface="Times New Roman" pitchFamily="18" charset="0"/>
+                <a:cs typeface="Times New Roman" pitchFamily="18" charset="0"/>
+              </a:rPr>
+              <a:t> </a:t>
+            </a:r>
+            <a:r>
+              <a:rPr lang="ru-RU" sz="2000" dirty="0" smtClean="0">
+                <a:latin typeface="Times New Roman" pitchFamily="18" charset="0"/>
+                <a:cs typeface="Times New Roman" pitchFamily="18" charset="0"/>
+              </a:rPr>
+              <a:t>        – </a:t>
+            </a:r>
+            <a:r>
+              <a:rPr lang="ru-RU" sz="2000" dirty="0">
+                <a:latin typeface="Times New Roman" pitchFamily="18" charset="0"/>
+                <a:cs typeface="Times New Roman" pitchFamily="18" charset="0"/>
+              </a:rPr>
+              <a:t>положение </a:t>
+            </a:r>
+            <a:r>
+              <a:rPr lang="en-US" sz="2000" b="1" i="1" dirty="0" err="1" smtClean="0">
+                <a:latin typeface="Times New Roman" pitchFamily="18" charset="0"/>
+                <a:cs typeface="Times New Roman" pitchFamily="18" charset="0"/>
+              </a:rPr>
+              <a:t>i</a:t>
+            </a:r>
+            <a:r>
+              <a:rPr lang="ru-RU" sz="2000" dirty="0" smtClean="0">
+                <a:latin typeface="Times New Roman" pitchFamily="18" charset="0"/>
+                <a:cs typeface="Times New Roman" pitchFamily="18" charset="0"/>
+              </a:rPr>
+              <a:t>-го </a:t>
+            </a:r>
+            <a:r>
+              <a:rPr lang="ru-RU" sz="2000" dirty="0">
+                <a:latin typeface="Times New Roman" pitchFamily="18" charset="0"/>
+                <a:cs typeface="Times New Roman" pitchFamily="18" charset="0"/>
+              </a:rPr>
+              <a:t>игрока на рынке</a:t>
+            </a:r>
+          </a:p>
+          <a:p>
+            <a:pPr indent="-457200">
+              <a:spcBef>
+                <a:spcPct val="20000"/>
+              </a:spcBef>
+            </a:pPr>
+            <a:r>
+              <a:rPr lang="ru-RU" sz="2000" dirty="0">
+                <a:latin typeface="Times New Roman" pitchFamily="18" charset="0"/>
+                <a:cs typeface="Times New Roman" pitchFamily="18" charset="0"/>
+              </a:rPr>
+              <a:t>                                                                                                        </a:t>
+            </a:r>
+            <a:r>
+              <a:rPr lang="ru-RU" sz="2000" dirty="0" smtClean="0">
+                <a:latin typeface="Times New Roman" pitchFamily="18" charset="0"/>
+                <a:cs typeface="Times New Roman" pitchFamily="18" charset="0"/>
+              </a:rPr>
+              <a:t>         </a:t>
+            </a:r>
+            <a:r>
+              <a:rPr lang="ru-RU" sz="2000" dirty="0" smtClean="0">
+                <a:latin typeface="Times New Roman" pitchFamily="18" charset="0"/>
+                <a:cs typeface="Times New Roman" pitchFamily="18" charset="0"/>
+              </a:rPr>
+              <a:t>(</a:t>
+            </a:r>
+            <a:r>
+              <a:rPr lang="en-US" sz="2000" dirty="0" smtClean="0">
+                <a:latin typeface="Times New Roman" pitchFamily="18" charset="0"/>
+                <a:cs typeface="Times New Roman" pitchFamily="18" charset="0"/>
+              </a:rPr>
+              <a:t>8</a:t>
+            </a:r>
+            <a:r>
+              <a:rPr lang="ru-RU" sz="2000" dirty="0" smtClean="0">
+                <a:latin typeface="Times New Roman" pitchFamily="18" charset="0"/>
+                <a:cs typeface="Times New Roman" pitchFamily="18" charset="0"/>
+              </a:rPr>
+              <a:t>)</a:t>
+            </a:r>
             <a:endParaRPr lang="ru-RU" sz="2000" dirty="0">
               <a:latin typeface="Times New Roman" pitchFamily="18" charset="0"/>
               <a:cs typeface="Times New Roman" pitchFamily="18" charset="0"/>
@@ -10256,21 +9600,35 @@
                 <a:latin typeface="Times New Roman" pitchFamily="18" charset="0"/>
                 <a:cs typeface="Times New Roman" pitchFamily="18" charset="0"/>
               </a:rPr>
-              <a:t>                                                                                                         </a:t>
+              <a:t>        </a:t>
             </a:r>
             <a:r>
               <a:rPr lang="ru-RU" sz="2000" dirty="0" smtClean="0">
                 <a:latin typeface="Times New Roman" pitchFamily="18" charset="0"/>
                 <a:cs typeface="Times New Roman" pitchFamily="18" charset="0"/>
               </a:rPr>
-              <a:t>         (</a:t>
+              <a:t> – </a:t>
             </a:r>
             <a:r>
               <a:rPr lang="ru-RU" sz="2000" dirty="0">
                 <a:latin typeface="Times New Roman" pitchFamily="18" charset="0"/>
                 <a:cs typeface="Times New Roman" pitchFamily="18" charset="0"/>
               </a:rPr>
-              <a:t>9)</a:t>
+              <a:t>коэффициент конкурентоспособности </a:t>
+            </a:r>
+            <a:r>
+              <a:rPr lang="en-US" sz="2000" b="1" i="1" dirty="0" err="1">
+                <a:latin typeface="Times New Roman" pitchFamily="18" charset="0"/>
+                <a:cs typeface="Times New Roman" pitchFamily="18" charset="0"/>
+              </a:rPr>
+              <a:t>i</a:t>
+            </a:r>
+            <a:r>
+              <a:rPr lang="ru-RU" sz="2000" dirty="0">
+                <a:latin typeface="Times New Roman" pitchFamily="18" charset="0"/>
+                <a:cs typeface="Times New Roman" pitchFamily="18" charset="0"/>
+              </a:rPr>
+              <a:t>-го игрока</a:t>
             </a:r>
           </a:p>
           <a:p>
@@ -10279,14 +9637,7 @@
                 <a:spcPct val="20000"/>
               </a:spcBef>
             </a:pPr>
-            <a:r>
-              <a:rPr lang="ru-RU" sz="2000" dirty="0">
-                <a:latin typeface="Times New Roman" pitchFamily="18" charset="0"/>
-                <a:cs typeface="Times New Roman" pitchFamily="18" charset="0"/>
-              </a:rPr>
-              <a:t>        </a:t>
-            </a:r>
-            <a:endParaRPr lang="ru-RU" sz="2000" dirty="0" smtClean="0">
+            <a:endParaRPr lang="ru-RU" sz="2000" dirty="0">
               <a:latin typeface="Times New Roman" pitchFamily="18" charset="0"/>
               <a:cs typeface="Times New Roman" pitchFamily="18" charset="0"/>
             </a:endParaRPr>
@@ -10302,43 +9653,40 @@
                 <a:latin typeface="Times New Roman" pitchFamily="18" charset="0"/>
                 <a:cs typeface="Times New Roman" pitchFamily="18" charset="0"/>
               </a:rPr>
-              <a:t> </a:t>
+              <a:t>                                                                                                       </a:t>
             </a:r>
             <a:r>
               <a:rPr lang="ru-RU" sz="2000" dirty="0" smtClean="0">
                 <a:latin typeface="Times New Roman" pitchFamily="18" charset="0"/>
                 <a:cs typeface="Times New Roman" pitchFamily="18" charset="0"/>
               </a:rPr>
-              <a:t>        – </a:t>
-            </a:r>
-            <a:r>
-              <a:rPr lang="ru-RU" sz="2000" dirty="0">
-                <a:latin typeface="Times New Roman" pitchFamily="18" charset="0"/>
-                <a:cs typeface="Times New Roman" pitchFamily="18" charset="0"/>
-              </a:rPr>
-              <a:t>положение </a:t>
-            </a:r>
-            <a:r>
-              <a:rPr lang="en-US" sz="2000" b="1" i="1" dirty="0" err="1" smtClean="0">
-                <a:latin typeface="Times New Roman" pitchFamily="18" charset="0"/>
-                <a:cs typeface="Times New Roman" pitchFamily="18" charset="0"/>
-              </a:rPr>
-              <a:t>i</a:t>
+              <a:t>          </a:t>
             </a:r>
             <a:r>
               <a:rPr lang="ru-RU" sz="2000" dirty="0" smtClean="0">
                 <a:latin typeface="Times New Roman" pitchFamily="18" charset="0"/>
                 <a:cs typeface="Times New Roman" pitchFamily="18" charset="0"/>
               </a:rPr>
-              <a:t>-го </a:t>
-            </a:r>
-            <a:r>
-              <a:rPr lang="ru-RU" sz="2000" dirty="0">
-                <a:latin typeface="Times New Roman" pitchFamily="18" charset="0"/>
-                <a:cs typeface="Times New Roman" pitchFamily="18" charset="0"/>
-              </a:rPr>
-              <a:t>игрока на рынке</a:t>
-            </a:r>
+              <a:t>(</a:t>
+            </a:r>
+            <a:r>
+              <a:rPr lang="en-US" sz="2000" dirty="0" smtClean="0">
+                <a:latin typeface="Times New Roman" pitchFamily="18" charset="0"/>
+                <a:cs typeface="Times New Roman" pitchFamily="18" charset="0"/>
+              </a:rPr>
+              <a:t>9</a:t>
+            </a:r>
+            <a:r>
+              <a:rPr lang="ru-RU" sz="2000" dirty="0" smtClean="0">
+                <a:latin typeface="Times New Roman" pitchFamily="18" charset="0"/>
+                <a:cs typeface="Times New Roman" pitchFamily="18" charset="0"/>
+              </a:rPr>
+              <a:t>)</a:t>
+            </a:r>
+            <a:endParaRPr lang="ru-RU" sz="2000" dirty="0">
+              <a:latin typeface="Times New Roman" pitchFamily="18" charset="0"/>
+              <a:cs typeface="Times New Roman" pitchFamily="18" charset="0"/>
+            </a:endParaRPr>
           </a:p>
           <a:p>
             <a:pPr indent="-457200">
@@ -10351,21 +9699,7 @@
                 <a:latin typeface="Times New Roman" pitchFamily="18" charset="0"/>
                 <a:cs typeface="Times New Roman" pitchFamily="18" charset="0"/>
               </a:rPr>
-              <a:t>                                                                                                        </a:t>
-            </a:r>
-            <a:r>
-              <a:rPr lang="ru-RU" sz="2000" dirty="0" smtClean="0">
-                <a:latin typeface="Times New Roman" pitchFamily="18" charset="0"/>
-                <a:cs typeface="Times New Roman" pitchFamily="18" charset="0"/>
-              </a:rPr>
-              <a:t>         (</a:t>
-            </a:r>
-            <a:r>
-              <a:rPr lang="ru-RU" sz="2000" dirty="0">
-                <a:latin typeface="Times New Roman" pitchFamily="18" charset="0"/>
-                <a:cs typeface="Times New Roman" pitchFamily="18" charset="0"/>
-              </a:rPr>
-              <a:t>10)</a:t>
+              <a:t>                                                                                                         </a:t>
             </a:r>
           </a:p>
           <a:p>
@@ -10379,36 +9713,47 @@
                 <a:latin typeface="Times New Roman" pitchFamily="18" charset="0"/>
                 <a:cs typeface="Times New Roman" pitchFamily="18" charset="0"/>
               </a:rPr>
-              <a:t>        </a:t>
+              <a:t>                                                                                                       </a:t>
             </a:r>
             <a:r>
               <a:rPr lang="ru-RU" sz="2000" dirty="0" smtClean="0">
                 <a:latin typeface="Times New Roman" pitchFamily="18" charset="0"/>
                 <a:cs typeface="Times New Roman" pitchFamily="18" charset="0"/>
               </a:rPr>
-              <a:t> – </a:t>
+              <a:t>          </a:t>
             </a:r>
             <a:r>
               <a:rPr lang="ru-RU" sz="2000" dirty="0">
                 <a:latin typeface="Times New Roman" pitchFamily="18" charset="0"/>
                 <a:cs typeface="Times New Roman" pitchFamily="18" charset="0"/>
               </a:rPr>
-              <a:t>коэффициент конкурентоспособности </a:t>
-            </a:r>
-            <a:r>
-              <a:rPr lang="en-US" sz="2000" b="1" i="1" dirty="0" err="1">
-                <a:latin typeface="Times New Roman" pitchFamily="18" charset="0"/>
-                <a:cs typeface="Times New Roman" pitchFamily="18" charset="0"/>
-              </a:rPr>
-              <a:t>i</a:t>
-            </a:r>
-            <a:r>
-              <a:rPr lang="ru-RU" sz="2000" dirty="0">
-                <a:latin typeface="Times New Roman" pitchFamily="18" charset="0"/>
-                <a:cs typeface="Times New Roman" pitchFamily="18" charset="0"/>
-              </a:rPr>
-              <a:t>-го игрока</a:t>
-            </a:r>
+              <a:t>(</a:t>
+            </a:r>
+            <a:r>
+              <a:rPr lang="ru-RU" sz="2000" dirty="0" smtClean="0">
+                <a:latin typeface="Times New Roman" pitchFamily="18" charset="0"/>
+                <a:cs typeface="Times New Roman" pitchFamily="18" charset="0"/>
+              </a:rPr>
+              <a:t>1</a:t>
+            </a:r>
+            <a:r>
+              <a:rPr lang="en-US" sz="2000" dirty="0" smtClean="0">
+                <a:latin typeface="Times New Roman" pitchFamily="18" charset="0"/>
+                <a:cs typeface="Times New Roman" pitchFamily="18" charset="0"/>
+              </a:rPr>
+              <a:t>0</a:t>
+            </a:r>
+            <a:r>
+              <a:rPr lang="ru-RU" sz="2000" dirty="0" smtClean="0">
+                <a:latin typeface="Times New Roman" pitchFamily="18" charset="0"/>
+                <a:cs typeface="Times New Roman" pitchFamily="18" charset="0"/>
+              </a:rPr>
+              <a:t>)</a:t>
+            </a:r>
+            <a:endParaRPr lang="ru-RU" sz="2000" dirty="0">
+              <a:latin typeface="Times New Roman" pitchFamily="18" charset="0"/>
+              <a:cs typeface="Times New Roman" pitchFamily="18" charset="0"/>
+            </a:endParaRPr>
           </a:p>
           <a:p>
             <a:pPr indent="-457200">
@@ -10432,103 +9777,47 @@
                 <a:latin typeface="Times New Roman" pitchFamily="18" charset="0"/>
                 <a:cs typeface="Times New Roman" pitchFamily="18" charset="0"/>
               </a:rPr>
-              <a:t>                                                                                                       </a:t>
+              <a:t>                                                                                                      </a:t>
             </a:r>
             <a:r>
               <a:rPr lang="ru-RU" sz="2000" dirty="0" smtClean="0">
                 <a:latin typeface="Times New Roman" pitchFamily="18" charset="0"/>
                 <a:cs typeface="Times New Roman" pitchFamily="18" charset="0"/>
               </a:rPr>
-              <a:t>          </a:t>
+              <a:t>           </a:t>
             </a:r>
             <a:r>
               <a:rPr lang="ru-RU" sz="2000" dirty="0">
                 <a:latin typeface="Times New Roman" pitchFamily="18" charset="0"/>
                 <a:cs typeface="Times New Roman" pitchFamily="18" charset="0"/>
               </a:rPr>
-              <a:t>(11)</a:t>
-            </a:r>
-          </a:p>
-          <a:p>
-            <a:pPr indent="-457200">
-              <a:spcBef>
-                <a:spcPct val="20000"/>
-              </a:spcBef>
-            </a:pPr>
-            <a:r>
-              <a:rPr lang="ru-RU" sz="2000" dirty="0">
-                <a:latin typeface="Times New Roman" pitchFamily="18" charset="0"/>
-                <a:cs typeface="Times New Roman" pitchFamily="18" charset="0"/>
-              </a:rPr>
-              <a:t>                                                                                                         </a:t>
-            </a:r>
-          </a:p>
-          <a:p>
-            <a:pPr indent="-457200">
-              <a:spcBef>
-                <a:spcPct val="20000"/>
-              </a:spcBef>
-            </a:pPr>
-            <a:r>
-              <a:rPr lang="ru-RU" sz="2000" dirty="0">
-                <a:latin typeface="Times New Roman" pitchFamily="18" charset="0"/>
-                <a:cs typeface="Times New Roman" pitchFamily="18" charset="0"/>
-              </a:rPr>
-              <a:t>                                                                                                       </a:t>
+              <a:t>(</a:t>
             </a:r>
             <a:r>
               <a:rPr lang="ru-RU" sz="2000" dirty="0" smtClean="0">
                 <a:latin typeface="Times New Roman" pitchFamily="18" charset="0"/>
                 <a:cs typeface="Times New Roman" pitchFamily="18" charset="0"/>
               </a:rPr>
-              <a:t>          </a:t>
-            </a:r>
-            <a:r>
-              <a:rPr lang="ru-RU" sz="2000" dirty="0">
-                <a:latin typeface="Times New Roman" pitchFamily="18" charset="0"/>
-                <a:cs typeface="Times New Roman" pitchFamily="18" charset="0"/>
-              </a:rPr>
-              <a:t>(12)</a:t>
-            </a:r>
-          </a:p>
-          <a:p>
-            <a:pPr indent="-457200">
-              <a:spcBef>
-                <a:spcPct val="20000"/>
-              </a:spcBef>
-            </a:pPr>
+              <a:t>1</a:t>
+            </a:r>
+            <a:r>
+              <a:rPr lang="en-US" sz="2000" dirty="0" smtClean="0">
+                <a:latin typeface="Times New Roman" pitchFamily="18" charset="0"/>
+                <a:cs typeface="Times New Roman" pitchFamily="18" charset="0"/>
+              </a:rPr>
+              <a:t>1</a:t>
+            </a:r>
+            <a:r>
+              <a:rPr lang="ru-RU" sz="2000" dirty="0" smtClean="0">
+                <a:latin typeface="Times New Roman" pitchFamily="18" charset="0"/>
+                <a:cs typeface="Times New Roman" pitchFamily="18" charset="0"/>
+              </a:rPr>
+              <a:t>)</a:t>
+            </a:r>
             <a:endParaRPr lang="ru-RU" sz="2000" dirty="0">
               <a:latin typeface="Times New Roman" pitchFamily="18" charset="0"/>
               <a:cs typeface="Times New Roman" pitchFamily="18" charset="0"/>
             </a:endParaRPr>
-          </a:p>
-          <a:p>
-            <a:pPr indent="-457200">
-              <a:spcBef>
-                <a:spcPct val="20000"/>
-              </a:spcBef>
-            </a:pPr>
-            <a:r>
-              <a:rPr lang="ru-RU" sz="2000" dirty="0">
-                <a:latin typeface="Times New Roman" pitchFamily="18" charset="0"/>
-                <a:cs typeface="Times New Roman" pitchFamily="18" charset="0"/>
-              </a:rPr>
-              <a:t>                                                                                                      </a:t>
-            </a:r>
-            <a:r>
-              <a:rPr lang="ru-RU" sz="2000" dirty="0" smtClean="0">
-                <a:latin typeface="Times New Roman" pitchFamily="18" charset="0"/>
-                <a:cs typeface="Times New Roman" pitchFamily="18" charset="0"/>
-              </a:rPr>
-              <a:t>           </a:t>
-            </a:r>
-            <a:r>
-              <a:rPr lang="ru-RU" sz="2000" dirty="0">
-                <a:latin typeface="Times New Roman" pitchFamily="18" charset="0"/>
-                <a:cs typeface="Times New Roman" pitchFamily="18" charset="0"/>
-              </a:rPr>
-              <a:t>(13)</a:t>
-            </a:r>
           </a:p>
         </p:txBody>
       </p:sp>
@@ -11527,28 +10816,7 @@
                 <a:latin typeface="Times New Roman" pitchFamily="18" charset="0"/>
                 <a:cs typeface="Times New Roman" pitchFamily="18" charset="0"/>
               </a:rPr>
-              <a:t>До </a:t>
-            </a:r>
-            <a:r>
-              <a:rPr lang="ru-RU" sz="2000" dirty="0" smtClean="0">
-                <a:latin typeface="Times New Roman" pitchFamily="18" charset="0"/>
-                <a:cs typeface="Times New Roman" pitchFamily="18" charset="0"/>
-              </a:rPr>
-              <a:t>настоящего </a:t>
-            </a:r>
-            <a:r>
-              <a:rPr lang="ru-RU" sz="2000" dirty="0" smtClean="0">
-                <a:latin typeface="Times New Roman" pitchFamily="18" charset="0"/>
-                <a:cs typeface="Times New Roman" pitchFamily="18" charset="0"/>
-              </a:rPr>
-              <a:t>времени не существует методики, модели и алгоритмов, отражающих современное состояние отраслевых рынков и позволяющих анализировать их во всей </a:t>
-            </a:r>
-            <a:r>
-              <a:rPr lang="ru-RU" sz="2000" dirty="0" smtClean="0">
-                <a:latin typeface="Times New Roman" pitchFamily="18" charset="0"/>
-                <a:cs typeface="Times New Roman" pitchFamily="18" charset="0"/>
-              </a:rPr>
-              <a:t>полноте.</a:t>
+              <a:t>До настоящего времени не существует методики, модели и алгоритмов, отражающих современное состояние отраслевых рынков и позволяющих анализировать их во всей полноте.</a:t>
             </a:r>
             <a:endParaRPr lang="en-US" sz="2000" dirty="0">
               <a:latin typeface="Times New Roman" pitchFamily="18" charset="0"/>
@@ -11568,14 +10836,7 @@
                 <a:latin typeface="Times New Roman" pitchFamily="18" charset="0"/>
                 <a:cs typeface="Times New Roman" pitchFamily="18" charset="0"/>
               </a:rPr>
-              <a:t>Для применения модели и алгоритмов конкурентного анализа на практике, необходимо создание специального </a:t>
-            </a:r>
-            <a:r>
-              <a:rPr lang="ru-RU" sz="2000" dirty="0" smtClean="0">
-                <a:latin typeface="Times New Roman" pitchFamily="18" charset="0"/>
-                <a:cs typeface="Times New Roman" pitchFamily="18" charset="0"/>
-              </a:rPr>
-              <a:t>ПАК.</a:t>
+              <a:t>Для применения модели и алгоритмов конкурентного анализа на практике, необходимо создание специального ПАК.</a:t>
             </a:r>
             <a:endParaRPr lang="ru-RU" sz="2000" dirty="0">
               <a:latin typeface="Times New Roman" pitchFamily="18" charset="0"/>
@@ -13093,14 +12354,7 @@
                 <a:latin typeface="Times New Roman" pitchFamily="18" charset="0"/>
                 <a:cs typeface="Times New Roman" pitchFamily="18" charset="0"/>
               </a:rPr>
-              <a:t>Эти </a:t>
-            </a:r>
-            <a:r>
-              <a:rPr lang="ru-RU" sz="2000" dirty="0" smtClean="0">
-                <a:latin typeface="Times New Roman" pitchFamily="18" charset="0"/>
-                <a:cs typeface="Times New Roman" pitchFamily="18" charset="0"/>
-              </a:rPr>
-              <a:t>рекомендации положены в основу создания медицинской информационно-аналитической системы </a:t>
+              <a:t>Эти рекомендации положены в основу создания медицинской информационно-аналитической системы </a:t>
             </a:r>
             <a:r>
               <a:rPr lang="ru-RU" sz="2000" dirty="0" err="1" smtClean="0">
@@ -13274,7 +12528,14 @@
                 <a:latin typeface="Times New Roman" pitchFamily="18" charset="0"/>
                 <a:cs typeface="Times New Roman" pitchFamily="18" charset="0"/>
               </a:rPr>
-              <a:t>1. Разработана методика анализа конкуренции в отрасли на основе следующих преобразований классической модели конкуренции: введены </a:t>
+              <a:t>Разработана </a:t>
+            </a:r>
+            <a:r>
+              <a:rPr lang="ru-RU" sz="2000" dirty="0" smtClean="0">
+                <a:latin typeface="Times New Roman" pitchFamily="18" charset="0"/>
+                <a:cs typeface="Times New Roman" pitchFamily="18" charset="0"/>
+              </a:rPr>
+              <a:t>методика анализа конкуренции в отрасли на основе следующих преобразований классической модели конкуренции: введены </a:t>
             </a:r>
             <a:r>
               <a:rPr lang="ru-RU" sz="2000" dirty="0" err="1" smtClean="0">
@@ -13650,33 +12911,22 @@
                 <a:latin typeface="Times New Roman" pitchFamily="18" charset="0"/>
                 <a:cs typeface="Times New Roman" pitchFamily="18" charset="0"/>
               </a:rPr>
-              <a:t>Разработан </a:t>
+              <a:t>Разработан программно-аппаратный комплекс </a:t>
+            </a:r>
+            <a:r>
+              <a:rPr lang="ru-RU" sz="2000" dirty="0" err="1" smtClean="0">
+                <a:latin typeface="Times New Roman" pitchFamily="18" charset="0"/>
+                <a:cs typeface="Times New Roman" pitchFamily="18" charset="0"/>
+              </a:rPr>
+              <a:t>Competition</a:t>
             </a:r>
             <a:r>
               <a:rPr lang="ru-RU" sz="2000" dirty="0" smtClean="0">
                 <a:latin typeface="Times New Roman" pitchFamily="18" charset="0"/>
                 <a:cs typeface="Times New Roman" pitchFamily="18" charset="0"/>
               </a:rPr>
-              <a:t>программно-аппаратный комплекс </a:t>
-            </a:r>
-            <a:r>
-              <a:rPr lang="ru-RU" sz="2000" dirty="0" err="1" smtClean="0">
-                <a:latin typeface="Times New Roman" pitchFamily="18" charset="0"/>
-                <a:cs typeface="Times New Roman" pitchFamily="18" charset="0"/>
-              </a:rPr>
-              <a:t>Competition</a:t>
-            </a:r>
-            <a:r>
-              <a:rPr lang="ru-RU" sz="2000" dirty="0" smtClean="0">
-                <a:latin typeface="Times New Roman" pitchFamily="18" charset="0"/>
-                <a:cs typeface="Times New Roman" pitchFamily="18" charset="0"/>
-              </a:rPr>
               <a:t>, позволяющий ЛПР от промышленных компаний проектировать конкурентную стратегию на основе анализа и прогнозирования состояния отраслевых рынков в соответствии с моделью глобальной конкуренции. В состав комплекса входит система поддержки принятия решений и модуль автоматизированного сбора данных. </a:t>
             </a:r>
-            <a:endParaRPr lang="ru-RU" sz="2000" dirty="0" smtClean="0">
-              <a:latin typeface="Times New Roman" pitchFamily="18" charset="0"/>
-              <a:cs typeface="Times New Roman" pitchFamily="18" charset="0"/>
-            </a:endParaRPr>
           </a:p>
           <a:p>
             <a:pPr marL="457200" indent="-457200">
@@ -13691,14 +12941,7 @@
                 <a:latin typeface="Times New Roman" pitchFamily="18" charset="0"/>
                 <a:cs typeface="Times New Roman" pitchFamily="18" charset="0"/>
               </a:rPr>
-              <a:t>В </a:t>
-            </a:r>
-            <a:r>
-              <a:rPr lang="ru-RU" sz="2000" dirty="0" smtClean="0">
-                <a:latin typeface="Times New Roman" pitchFamily="18" charset="0"/>
-                <a:cs typeface="Times New Roman" pitchFamily="18" charset="0"/>
-              </a:rPr>
-              <a:t>результате работы программно-аппаратного комплекса </a:t>
+              <a:t>В результате работы программно-аппаратного комплекса </a:t>
             </a:r>
             <a:r>
               <a:rPr lang="ru-RU" sz="2000" dirty="0" err="1" smtClean="0">
@@ -15479,54 +14722,36 @@
                 <a:latin typeface="Times New Roman" pitchFamily="18" charset="0"/>
                 <a:cs typeface="Times New Roman" pitchFamily="18" charset="0"/>
               </a:rPr>
-              <a:t> </a:t>
+              <a:t> –   {      } и </a:t>
+            </a:r>
+            <a:r>
+              <a:rPr lang="ru-RU" sz="2000" dirty="0" err="1" smtClean="0">
+                <a:latin typeface="Times New Roman" pitchFamily="18" charset="0"/>
+                <a:cs typeface="Times New Roman" pitchFamily="18" charset="0"/>
+              </a:rPr>
+              <a:t>инфлюенторов</a:t>
             </a:r>
             <a:r>
               <a:rPr lang="ru-RU" sz="2000" dirty="0" smtClean="0">
                 <a:latin typeface="Times New Roman" pitchFamily="18" charset="0"/>
                 <a:cs typeface="Times New Roman" pitchFamily="18" charset="0"/>
               </a:rPr>
-              <a:t>–   {      } и </a:t>
+              <a:t> – {     }, а также обладает свойством </a:t>
             </a:r>
             <a:r>
               <a:rPr lang="ru-RU" sz="2000" dirty="0" err="1" smtClean="0">
                 <a:latin typeface="Times New Roman" pitchFamily="18" charset="0"/>
                 <a:cs typeface="Times New Roman" pitchFamily="18" charset="0"/>
               </a:rPr>
-              <a:t>инфлюенторов</a:t>
+              <a:t>самоподобия</a:t>
             </a:r>
             <a:r>
               <a:rPr lang="ru-RU" sz="2000" dirty="0" smtClean="0">
                 <a:latin typeface="Times New Roman" pitchFamily="18" charset="0"/>
                 <a:cs typeface="Times New Roman" pitchFamily="18" charset="0"/>
               </a:rPr>
-              <a:t> – {     }, </a:t>
-            </a:r>
-            <a:r>
-              <a:rPr lang="ru-RU" sz="2000" dirty="0" smtClean="0">
-                <a:latin typeface="Times New Roman" pitchFamily="18" charset="0"/>
-                <a:cs typeface="Times New Roman" pitchFamily="18" charset="0"/>
-              </a:rPr>
-              <a:t>а также обладает свойством </a:t>
-            </a:r>
-            <a:r>
-              <a:rPr lang="ru-RU" sz="2000" dirty="0" err="1" smtClean="0">
-                <a:latin typeface="Times New Roman" pitchFamily="18" charset="0"/>
-                <a:cs typeface="Times New Roman" pitchFamily="18" charset="0"/>
-              </a:rPr>
-              <a:t>самоподобия</a:t>
-            </a:r>
-            <a:r>
-              <a:rPr lang="ru-RU" sz="2000" dirty="0" smtClean="0">
-                <a:latin typeface="Times New Roman" pitchFamily="18" charset="0"/>
-                <a:cs typeface="Times New Roman" pitchFamily="18" charset="0"/>
-              </a:rPr>
               <a:t> иерархических рыночных подсистем. </a:t>
             </a:r>
-            <a:endParaRPr lang="ru-RU" sz="2000" dirty="0" smtClean="0">
-              <a:latin typeface="Times New Roman" pitchFamily="18" charset="0"/>
-              <a:cs typeface="Times New Roman" pitchFamily="18" charset="0"/>
-            </a:endParaRPr>
           </a:p>
           <a:p>
             <a:pPr marL="457200" indent="-457200">
@@ -15541,19 +14766,8 @@
                 <a:latin typeface="Times New Roman" pitchFamily="18" charset="0"/>
                 <a:cs typeface="Times New Roman" pitchFamily="18" charset="0"/>
               </a:rPr>
-              <a:t>Предложена </a:t>
-            </a:r>
-            <a:r>
-              <a:rPr lang="ru-RU" sz="2000" dirty="0" smtClean="0">
-                <a:latin typeface="Times New Roman" pitchFamily="18" charset="0"/>
-                <a:cs typeface="Times New Roman" pitchFamily="18" charset="0"/>
-              </a:rPr>
-              <a:t>методика анализа конкуренции на основных этапах жизненного цикла продукции – а) научно-техническом, б) технологическом и в) рыночном. </a:t>
-            </a:r>
-            <a:endParaRPr lang="ru-RU" sz="2000" dirty="0" smtClean="0">
-              <a:latin typeface="Times New Roman" pitchFamily="18" charset="0"/>
-              <a:cs typeface="Times New Roman" pitchFamily="18" charset="0"/>
-            </a:endParaRPr>
+              <a:t>Предложена методика анализа конкуренции на основных этапах жизненного цикла продукции – а) научно-техническом, б) технологическом и в) рыночном. </a:t>
+            </a:r>
           </a:p>
           <a:p>
             <a:pPr marL="457200" indent="-457200">
@@ -15568,42 +14782,7 @@
                 <a:latin typeface="Times New Roman" pitchFamily="18" charset="0"/>
                 <a:cs typeface="Times New Roman" pitchFamily="18" charset="0"/>
               </a:rPr>
-              <a:t>Разработаны </a:t>
-            </a:r>
-            <a:r>
-              <a:rPr lang="ru-RU" sz="2000" dirty="0" smtClean="0">
-                <a:latin typeface="Times New Roman" pitchFamily="18" charset="0"/>
-                <a:cs typeface="Times New Roman" pitchFamily="18" charset="0"/>
-              </a:rPr>
-              <a:t>математические методы проектирования конкурентной стратегии, поведения интеллектуальных агентов, прогнозирования </a:t>
-            </a:r>
-            <a:r>
-              <a:rPr lang="ru-RU" sz="2000" dirty="0" smtClean="0">
-                <a:latin typeface="Times New Roman" pitchFamily="18" charset="0"/>
-                <a:cs typeface="Times New Roman" pitchFamily="18" charset="0"/>
-              </a:rPr>
-              <a:t>состояния </a:t>
-            </a:r>
-            <a:r>
-              <a:rPr lang="ru-RU" sz="2000" dirty="0" smtClean="0">
-                <a:latin typeface="Times New Roman" pitchFamily="18" charset="0"/>
-                <a:cs typeface="Times New Roman" pitchFamily="18" charset="0"/>
-              </a:rPr>
-              <a:t>отраслевых рынков, количественной оценки показателей </a:t>
-            </a:r>
-            <a:r>
-              <a:rPr lang="ru-RU" sz="2000" dirty="0" smtClean="0">
-                <a:latin typeface="Times New Roman" pitchFamily="18" charset="0"/>
-                <a:cs typeface="Times New Roman" pitchFamily="18" charset="0"/>
-              </a:rPr>
-              <a:t>конкурентоспособности </a:t>
-            </a:r>
-            <a:r>
-              <a:rPr lang="ru-RU" sz="2000" dirty="0" smtClean="0">
-                <a:latin typeface="Times New Roman" pitchFamily="18" charset="0"/>
-                <a:cs typeface="Times New Roman" pitchFamily="18" charset="0"/>
-              </a:rPr>
-              <a:t>производителей высокотехнологичной продукции.</a:t>
+              <a:t>Разработаны математические методы проектирования конкурентной стратегии, поведения интеллектуальных агентов, прогнозирования состояния отраслевых рынков, количественной оценки показателей конкурентоспособности производителей высокотехнологичной продукции.</a:t>
             </a:r>
             <a:endParaRPr lang="ru-RU" sz="2000" dirty="0">
               <a:latin typeface="Times New Roman" pitchFamily="18" charset="0"/>
@@ -15899,33 +15078,22 @@
                 <a:latin typeface="Times New Roman" pitchFamily="18" charset="0"/>
                 <a:cs typeface="Times New Roman" pitchFamily="18" charset="0"/>
               </a:rPr>
-              <a:t>Разработан </a:t>
+              <a:t>Разработан программно-аппаратный комплекс </a:t>
+            </a:r>
+            <a:r>
+              <a:rPr lang="ru-RU" sz="2000" dirty="0" err="1" smtClean="0">
+                <a:latin typeface="Times New Roman" pitchFamily="18" charset="0"/>
+                <a:cs typeface="Times New Roman" pitchFamily="18" charset="0"/>
+              </a:rPr>
+              <a:t>Competiton</a:t>
             </a:r>
             <a:r>
               <a:rPr lang="ru-RU" sz="2000" dirty="0" smtClean="0">
                 <a:latin typeface="Times New Roman" pitchFamily="18" charset="0"/>
                 <a:cs typeface="Times New Roman" pitchFamily="18" charset="0"/>
               </a:rPr>
-              <a:t>программно-аппаратный комплекс </a:t>
-            </a:r>
-            <a:r>
-              <a:rPr lang="ru-RU" sz="2000" dirty="0" err="1" smtClean="0">
-                <a:latin typeface="Times New Roman" pitchFamily="18" charset="0"/>
-                <a:cs typeface="Times New Roman" pitchFamily="18" charset="0"/>
-              </a:rPr>
-              <a:t>Competiton</a:t>
-            </a:r>
-            <a:r>
-              <a:rPr lang="ru-RU" sz="2000" dirty="0" smtClean="0">
-                <a:latin typeface="Times New Roman" pitchFamily="18" charset="0"/>
-                <a:cs typeface="Times New Roman" pitchFamily="18" charset="0"/>
-              </a:rPr>
               <a:t> на основе модели глобальной конкуренции, состоящий из системы поддержки принятия решений и модуля автоматизированного сбора данных. Разработаны алгоритмы и специальное ПО для эффективного сбора и анализа данных. </a:t>
             </a:r>
-            <a:endParaRPr lang="ru-RU" sz="2000" dirty="0" smtClean="0">
-              <a:latin typeface="Times New Roman" pitchFamily="18" charset="0"/>
-              <a:cs typeface="Times New Roman" pitchFamily="18" charset="0"/>
-            </a:endParaRPr>
           </a:p>
           <a:p>
             <a:pPr marL="457200" indent="-457200">
@@ -15940,70 +15108,21 @@
                 <a:latin typeface="Times New Roman" pitchFamily="18" charset="0"/>
                 <a:cs typeface="Times New Roman" pitchFamily="18" charset="0"/>
               </a:rPr>
-              <a:t>В </a:t>
+              <a:t>В результате применения системы </a:t>
+            </a:r>
+            <a:r>
+              <a:rPr lang="ru-RU" sz="2000" dirty="0" err="1" smtClean="0">
+                <a:latin typeface="Times New Roman" pitchFamily="18" charset="0"/>
+                <a:cs typeface="Times New Roman" pitchFamily="18" charset="0"/>
+              </a:rPr>
+              <a:t>Competition</a:t>
             </a:r>
             <a:r>
               <a:rPr lang="ru-RU" sz="2000" dirty="0" smtClean="0">
                 <a:latin typeface="Times New Roman" pitchFamily="18" charset="0"/>
                 <a:cs typeface="Times New Roman" pitchFamily="18" charset="0"/>
               </a:rPr>
-              <a:t>результате применения системы </a:t>
-            </a:r>
-            <a:r>
-              <a:rPr lang="ru-RU" sz="2000" dirty="0" err="1" smtClean="0">
-                <a:latin typeface="Times New Roman" pitchFamily="18" charset="0"/>
-                <a:cs typeface="Times New Roman" pitchFamily="18" charset="0"/>
-              </a:rPr>
-              <a:t>Competition</a:t>
-            </a:r>
-            <a:r>
-              <a:rPr lang="ru-RU" sz="2000" dirty="0" smtClean="0">
-                <a:latin typeface="Times New Roman" pitchFamily="18" charset="0"/>
-                <a:cs typeface="Times New Roman" pitchFamily="18" charset="0"/>
-              </a:rPr>
-              <a:t> разработаны рекомендации по повышению конкурентоспособности МИС для </a:t>
-            </a:r>
-            <a:r>
-              <a:rPr lang="ru-RU" sz="2000" dirty="0" smtClean="0">
-                <a:latin typeface="Times New Roman" pitchFamily="18" charset="0"/>
-                <a:cs typeface="Times New Roman" pitchFamily="18" charset="0"/>
-              </a:rPr>
-              <a:t>ВЛЭ, </a:t>
-            </a:r>
-            <a:r>
-              <a:rPr lang="ru-RU" sz="2000" dirty="0" smtClean="0">
-                <a:latin typeface="Times New Roman" pitchFamily="18" charset="0"/>
-                <a:cs typeface="Times New Roman" pitchFamily="18" charset="0"/>
-              </a:rPr>
-              <a:t>основанные на сборе и анализе показаний датчиков первичной информации </a:t>
-            </a:r>
-            <a:r>
-              <a:rPr lang="ru-RU" sz="2000" dirty="0" smtClean="0">
-                <a:latin typeface="Times New Roman" pitchFamily="18" charset="0"/>
-                <a:cs typeface="Times New Roman" pitchFamily="18" charset="0"/>
-              </a:rPr>
-              <a:t>с </a:t>
-            </a:r>
-            <a:r>
-              <a:rPr lang="ru-RU" sz="2000" dirty="0" smtClean="0">
-                <a:latin typeface="Times New Roman" pitchFamily="18" charset="0"/>
-                <a:cs typeface="Times New Roman" pitchFamily="18" charset="0"/>
-              </a:rPr>
-              <a:t>помощью </a:t>
-            </a:r>
-            <a:r>
-              <a:rPr lang="ru-RU" sz="2000" dirty="0" smtClean="0">
-                <a:latin typeface="Times New Roman" pitchFamily="18" charset="0"/>
-                <a:cs typeface="Times New Roman" pitchFamily="18" charset="0"/>
-              </a:rPr>
-              <a:t>технологии БОС. </a:t>
-            </a:r>
-            <a:r>
-              <a:rPr lang="ru-RU" sz="2000" dirty="0" smtClean="0">
-                <a:latin typeface="Times New Roman" pitchFamily="18" charset="0"/>
-                <a:cs typeface="Times New Roman" pitchFamily="18" charset="0"/>
-              </a:rPr>
-              <a:t>Данные рекомендации положены в основу создания медицинской информационно-аналитической системы </a:t>
+              <a:t> разработаны рекомендации по повышению конкурентоспособности МИС для ВЛЭ, основанные на сборе и анализе показаний датчиков первичной информации с помощью технологии БОС. Данные рекомендации положены в основу создания медицинской информационно-аналитической системы </a:t>
             </a:r>
             <a:r>
               <a:rPr lang="ru-RU" sz="2000" dirty="0" err="1" smtClean="0">
@@ -16118,8 +15237,19 @@
                 <a:latin typeface="Times New Roman" pitchFamily="18" charset="0"/>
                 <a:cs typeface="Times New Roman" pitchFamily="18" charset="0"/>
               </a:rPr>
-              <a:t>как новые конкурентные силы</a:t>
-            </a:r>
+              <a:t>как новые </a:t>
+            </a:r>
+            <a:r>
+              <a:rPr lang="ru-RU" sz="2800" dirty="0" smtClean="0">
+                <a:latin typeface="Times New Roman" pitchFamily="18" charset="0"/>
+                <a:cs typeface="Times New Roman" pitchFamily="18" charset="0"/>
+              </a:rPr>
+              <a:t>силы конкурентной борьбы</a:t>
+            </a:r>
+            <a:endParaRPr lang="ru-RU" sz="2800" dirty="0" smtClean="0">
+              <a:latin typeface="Times New Roman" pitchFamily="18" charset="0"/>
+              <a:cs typeface="Times New Roman" pitchFamily="18" charset="0"/>
+            </a:endParaRPr>
           </a:p>
         </p:txBody>
       </p:sp>
@@ -16199,8 +15329,10 @@
       </p:sp>
       <p:pic>
         <p:nvPicPr>
-          <p:cNvPr id="7" name="Рисунок 6" descr="D:\science\Предзащита\Автореферат\done-images\porter-mod-2.png"/>
-          <p:cNvPicPr/>
+          <p:cNvPr id="13320" name="Picture 8" descr="C:\Users\Евгений\Desktop\Screenshot_10.png"/>
+          <p:cNvPicPr>
+            <a:picLocks noChangeAspect="1" noChangeArrowheads="1"/>
+          </p:cNvPicPr>
           <p:nvPr/>
         </p:nvPicPr>
         <p:blipFill>
@@ -16212,24 +15344,18 @@
         </p:blipFill>
         <p:spPr bwMode="auto">
           <a:xfrm>
-            <a:off x="1907704" y="1201842"/>
-            <a:ext cx="5314081" cy="3235270"/>
+            <a:off x="1187624" y="4581128"/>
+            <a:ext cx="6912768" cy="1746512"/>
           </a:xfrm>
           <a:prstGeom prst="rect">
             <a:avLst/>
           </a:prstGeom>
           <a:noFill/>
-          <a:ln w="9525">
-            <a:noFill/>
-            <a:miter lim="800000"/>
-            <a:headEnd/>
-            <a:tailEnd/>
-          </a:ln>
         </p:spPr>
       </p:pic>
       <p:pic>
         <p:nvPicPr>
-          <p:cNvPr id="13320" name="Picture 8" descr="C:\Users\Евгений\Desktop\Screenshot_10.png"/>
+          <p:cNvPr id="1026" name="Picture 2" descr="D:\science\Предзащита\Автореферат\done-images\porter-mod-2(port).png"/>
           <p:cNvPicPr>
             <a:picLocks noChangeAspect="1" noChangeArrowheads="1"/>
           </p:cNvPicPr>
@@ -16244,13 +15370,43 @@
         </p:blipFill>
         <p:spPr bwMode="auto">
           <a:xfrm>
-            <a:off x="1187624" y="4581128"/>
-            <a:ext cx="6912768" cy="1746512"/>
+            <a:off x="2847600" y="1196752"/>
+            <a:ext cx="4390513" cy="3236400"/>
           </a:xfrm>
           <a:prstGeom prst="rect">
             <a:avLst/>
           </a:prstGeom>
           <a:noFill/>
+        </p:spPr>
+      </p:pic>
+      <p:pic>
+        <p:nvPicPr>
+          <p:cNvPr id="7" name="Рисунок 6" descr="D:\science\Предзащита\Автореферат\done-images\porter-mod-2.png"/>
+          <p:cNvPicPr/>
+          <p:nvPr/>
+        </p:nvPicPr>
+        <p:blipFill>
+          <a:blip r:embed="rId4" cstate="print"/>
+          <a:srcRect/>
+          <a:stretch>
+            <a:fillRect/>
+          </a:stretch>
+        </p:blipFill>
+        <p:spPr bwMode="auto">
+          <a:xfrm>
+            <a:off x="1922215" y="1196752"/>
+            <a:ext cx="5314081" cy="3235270"/>
+          </a:xfrm>
+          <a:prstGeom prst="rect">
+            <a:avLst/>
+          </a:prstGeom>
+          <a:noFill/>
+          <a:ln w="9525">
+            <a:noFill/>
+            <a:miter lim="800000"/>
+            <a:headEnd/>
+            <a:tailEnd/>
+          </a:ln>
         </p:spPr>
       </p:pic>
     </p:spTree>
@@ -16258,10 +15414,140 @@
   <p:clrMapOvr>
     <a:masterClrMapping/>
   </p:clrMapOvr>
+  <p:transition/>
   <p:timing>
     <p:tnLst>
       <p:par>
-        <p:cTn id="1" dur="indefinite" restart="never" nodeType="tmRoot"/>
+        <p:cTn id="1" dur="indefinite" restart="never" nodeType="tmRoot">
+          <p:childTnLst>
+            <p:seq concurrent="1" nextAc="seek">
+              <p:cTn id="2" dur="indefinite" nodeType="mainSeq">
+                <p:childTnLst>
+                  <p:par>
+                    <p:cTn id="3" fill="hold">
+                      <p:stCondLst>
+                        <p:cond delay="indefinite"/>
+                      </p:stCondLst>
+                      <p:childTnLst>
+                        <p:par>
+                          <p:cTn id="4" fill="hold">
+                            <p:stCondLst>
+                              <p:cond delay="0"/>
+                            </p:stCondLst>
+                            <p:childTnLst>
+                              <p:par>
+                                <p:cTn id="5" presetID="3" presetClass="entr" presetSubtype="10" fill="hold" nodeType="clickEffect">
+                                  <p:stCondLst>
+                                    <p:cond delay="0"/>
+                                  </p:stCondLst>
+                                  <p:childTnLst>
+                                    <p:set>
+                                      <p:cBhvr>
+                                        <p:cTn id="6" dur="1" fill="hold">
+                                          <p:stCondLst>
+                                            <p:cond delay="0"/>
+                                          </p:stCondLst>
+                                        </p:cTn>
+                                        <p:tgtEl>
+                                          <p:spTgt spid="7"/>
+                                        </p:tgtEl>
+                                        <p:attrNameLst>
+                                          <p:attrName>style.visibility</p:attrName>
+                                        </p:attrNameLst>
+                                      </p:cBhvr>
+                                      <p:to>
+                                        <p:strVal val="visible"/>
+                                      </p:to>
+                                    </p:set>
+                                    <p:animEffect transition="in" filter="blinds(horizontal)">
+                                      <p:cBhvr>
+                                        <p:cTn id="7" dur="500"/>
+                                        <p:tgtEl>
+                                          <p:spTgt spid="7"/>
+                                        </p:tgtEl>
+                                      </p:cBhvr>
+                                    </p:animEffect>
+                                  </p:childTnLst>
+                                </p:cTn>
+                              </p:par>
+                            </p:childTnLst>
+                          </p:cTn>
+                        </p:par>
+                      </p:childTnLst>
+                    </p:cTn>
+                  </p:par>
+                  <p:par>
+                    <p:cTn id="8" fill="hold">
+                      <p:stCondLst>
+                        <p:cond delay="indefinite"/>
+                      </p:stCondLst>
+                      <p:childTnLst>
+                        <p:par>
+                          <p:cTn id="9" fill="hold">
+                            <p:stCondLst>
+                              <p:cond delay="0"/>
+                            </p:stCondLst>
+                            <p:childTnLst>
+                              <p:par>
+                                <p:cTn id="10" presetID="3" presetClass="entr" presetSubtype="10" fill="hold" nodeType="clickEffect">
+                                  <p:stCondLst>
+                                    <p:cond delay="0"/>
+                                  </p:stCondLst>
+                                  <p:childTnLst>
+                                    <p:set>
+                                      <p:cBhvr>
+                                        <p:cTn id="11" dur="1" fill="hold">
+                                          <p:stCondLst>
+                                            <p:cond delay="0"/>
+                                          </p:stCondLst>
+                                        </p:cTn>
+                                        <p:tgtEl>
+                                          <p:spTgt spid="13320"/>
+                                        </p:tgtEl>
+                                        <p:attrNameLst>
+                                          <p:attrName>style.visibility</p:attrName>
+                                        </p:attrNameLst>
+                                      </p:cBhvr>
+                                      <p:to>
+                                        <p:strVal val="visible"/>
+                                      </p:to>
+                                    </p:set>
+                                    <p:animEffect transition="in" filter="blinds(horizontal)">
+                                      <p:cBhvr>
+                                        <p:cTn id="12" dur="500"/>
+                                        <p:tgtEl>
+                                          <p:spTgt spid="13320"/>
+                                        </p:tgtEl>
+                                      </p:cBhvr>
+                                    </p:animEffect>
+                                  </p:childTnLst>
+                                </p:cTn>
+                              </p:par>
+                            </p:childTnLst>
+                          </p:cTn>
+                        </p:par>
+                      </p:childTnLst>
+                    </p:cTn>
+                  </p:par>
+                </p:childTnLst>
+              </p:cTn>
+              <p:prevCondLst>
+                <p:cond evt="onPrev" delay="0">
+                  <p:tgtEl>
+                    <p:sldTgt/>
+                  </p:tgtEl>
+                </p:cond>
+              </p:prevCondLst>
+              <p:nextCondLst>
+                <p:cond evt="onNext" delay="0">
+                  <p:tgtEl>
+                    <p:sldTgt/>
+                  </p:tgtEl>
+                </p:cond>
+              </p:nextCondLst>
+            </p:seq>
+          </p:childTnLst>
+        </p:cTn>
       </p:par>
     </p:tnLst>
   </p:timing>
@@ -16454,7 +15740,7 @@
       </p:grpSpPr>
       <p:sp>
         <p:nvSpPr>
-          <p:cNvPr id="9218" name="Заголовок 1"/>
+          <p:cNvPr id="10242" name="Заголовок 1"/>
           <p:cNvSpPr>
             <a:spLocks noGrp="1"/>
           </p:cNvSpPr>
@@ -16478,8 +15764,19 @@
                 <a:latin typeface="Times New Roman" pitchFamily="18" charset="0"/>
                 <a:cs typeface="Times New Roman" pitchFamily="18" charset="0"/>
               </a:rPr>
-              <a:t>Конкурентный анализ в аэрокосмической отрасли</a:t>
-            </a:r>
+              <a:t>М</a:t>
+            </a:r>
+            <a:r>
+              <a:rPr lang="ru-RU" sz="2800" dirty="0" smtClean="0">
+                <a:latin typeface="Times New Roman" pitchFamily="18" charset="0"/>
+                <a:cs typeface="Times New Roman" pitchFamily="18" charset="0"/>
+              </a:rPr>
+              <a:t>оделирование конкуренции</a:t>
+            </a:r>
+            <a:endParaRPr lang="ru-RU" sz="2800" dirty="0" smtClean="0">
+              <a:latin typeface="Times New Roman" pitchFamily="18" charset="0"/>
+              <a:cs typeface="Times New Roman" pitchFamily="18" charset="0"/>
+            </a:endParaRPr>
           </a:p>
         </p:txBody>
       </p:sp>
@@ -16506,7 +15803,7 @@
             <a:pPr>
               <a:defRPr/>
             </a:pPr>
-            <a:fld id="{E49435F9-A53A-4D7F-8FD6-596AFE1FEF1A}" type="slidenum">
+            <a:fld id="{2EE08AED-271B-44A4-8632-10EF68192E3C}" type="slidenum">
               <a:rPr lang="ru-RU"/>
               <a:pPr>
                 <a:defRPr/>
@@ -16519,7 +15816,7 @@
       </p:sp>
       <p:sp>
         <p:nvSpPr>
-          <p:cNvPr id="5" name="Содержимое 2"/>
+          <p:cNvPr id="10244" name="Содержимое 2"/>
           <p:cNvSpPr txBox="1">
             <a:spLocks/>
           </p:cNvSpPr>
@@ -16549,59 +15846,9 @@
               <a:spcBef>
                 <a:spcPct val="20000"/>
               </a:spcBef>
-              <a:buFont typeface="+mj-lt"/>
+              <a:buFont typeface="Calibri" pitchFamily="34" charset="0"/>
               <a:buAutoNum type="arabicPeriod"/>
-              <a:defRPr/>
-            </a:pPr>
-            <a:r>
-              <a:rPr lang="ru-RU" sz="2000" dirty="0">
-                <a:latin typeface="Times New Roman" pitchFamily="18" charset="0"/>
-                <a:cs typeface="Times New Roman" pitchFamily="18" charset="0"/>
-              </a:rPr>
-              <a:t>Объекты авиационной техники </a:t>
-            </a:r>
-            <a:r>
-              <a:rPr lang="ru-RU" sz="2000" dirty="0" smtClean="0">
-                <a:latin typeface="Times New Roman" pitchFamily="18" charset="0"/>
-                <a:cs typeface="Times New Roman" pitchFamily="18" charset="0"/>
-              </a:rPr>
-              <a:t> – </a:t>
-            </a:r>
-            <a:r>
-              <a:rPr lang="ru-RU" sz="2000" dirty="0">
-                <a:latin typeface="Times New Roman" pitchFamily="18" charset="0"/>
-                <a:cs typeface="Times New Roman" pitchFamily="18" charset="0"/>
-              </a:rPr>
-              <a:t>истребители 5-го поколения, беспилотные летательные </a:t>
-            </a:r>
-            <a:r>
-              <a:rPr lang="ru-RU" sz="2000" dirty="0" smtClean="0">
-                <a:latin typeface="Times New Roman" pitchFamily="18" charset="0"/>
-                <a:cs typeface="Times New Roman" pitchFamily="18" charset="0"/>
-              </a:rPr>
-              <a:t>аппараты, </a:t>
-            </a:r>
-            <a:r>
-              <a:rPr lang="ru-RU" sz="2000" dirty="0" err="1">
-                <a:latin typeface="Times New Roman" pitchFamily="18" charset="0"/>
-                <a:cs typeface="Times New Roman" pitchFamily="18" charset="0"/>
-              </a:rPr>
-              <a:t>микродирижабли</a:t>
-            </a:r>
-            <a:r>
-              <a:rPr lang="ru-RU" sz="2000" dirty="0">
-                <a:latin typeface="Times New Roman" pitchFamily="18" charset="0"/>
-                <a:cs typeface="Times New Roman" pitchFamily="18" charset="0"/>
-              </a:rPr>
-              <a:t> и </a:t>
-            </a:r>
-            <a:r>
-              <a:rPr lang="ru-RU" sz="2000" dirty="0" smtClean="0">
-                <a:latin typeface="Times New Roman" pitchFamily="18" charset="0"/>
-                <a:cs typeface="Times New Roman" pitchFamily="18" charset="0"/>
-              </a:rPr>
-              <a:t>аэростаты. </a:t>
-            </a:r>
+            </a:pPr>
             <a:endParaRPr lang="ru-RU" sz="2000" dirty="0">
               <a:latin typeface="Times New Roman" pitchFamily="18" charset="0"/>
               <a:cs typeface="Times New Roman" pitchFamily="18" charset="0"/>
@@ -16612,72 +15859,22 @@
               <a:spcBef>
                 <a:spcPct val="20000"/>
               </a:spcBef>
-              <a:buFont typeface="+mj-lt"/>
+              <a:buFont typeface="Calibri" pitchFamily="34" charset="0"/>
               <a:buAutoNum type="arabicPeriod"/>
-              <a:defRPr/>
-            </a:pPr>
+            </a:pPr>
+            <a:r>
+              <a:rPr lang="ru-RU" sz="2000" dirty="0" smtClean="0">
+                <a:latin typeface="Times New Roman" pitchFamily="18" charset="0"/>
+                <a:cs typeface="Times New Roman" pitchFamily="18" charset="0"/>
+              </a:rPr>
+              <a:t>     – </a:t>
+            </a:r>
             <a:r>
               <a:rPr lang="ru-RU" sz="2000" dirty="0">
                 <a:latin typeface="Times New Roman" pitchFamily="18" charset="0"/>
                 <a:cs typeface="Times New Roman" pitchFamily="18" charset="0"/>
               </a:rPr>
-              <a:t>Медицинские информационные </a:t>
-            </a:r>
-            <a:r>
-              <a:rPr lang="ru-RU" sz="2000" dirty="0" smtClean="0">
-                <a:latin typeface="Times New Roman" pitchFamily="18" charset="0"/>
-                <a:cs typeface="Times New Roman" pitchFamily="18" charset="0"/>
-              </a:rPr>
-              <a:t>системы – </a:t>
-            </a:r>
-            <a:r>
-              <a:rPr lang="ru-RU" sz="2000" dirty="0">
-                <a:latin typeface="Times New Roman" pitchFamily="18" charset="0"/>
-                <a:cs typeface="Times New Roman" pitchFamily="18" charset="0"/>
-              </a:rPr>
-              <a:t>решения, поддерживающие процедуру </a:t>
-            </a:r>
-            <a:r>
-              <a:rPr lang="ru-RU" sz="2000" dirty="0" smtClean="0">
-                <a:latin typeface="Times New Roman" pitchFamily="18" charset="0"/>
-                <a:cs typeface="Times New Roman" pitchFamily="18" charset="0"/>
-              </a:rPr>
-              <a:t>ВЛЭ </a:t>
-            </a:r>
-            <a:r>
-              <a:rPr lang="ru-RU" sz="2000" dirty="0" smtClean="0">
-                <a:latin typeface="Times New Roman" pitchFamily="18" charset="0"/>
-                <a:cs typeface="Times New Roman" pitchFamily="18" charset="0"/>
-              </a:rPr>
-              <a:t>для </a:t>
-            </a:r>
-            <a:r>
-              <a:rPr lang="ru-RU" sz="2000" dirty="0" smtClean="0">
-                <a:latin typeface="Times New Roman" pitchFamily="18" charset="0"/>
-                <a:cs typeface="Times New Roman" pitchFamily="18" charset="0"/>
-              </a:rPr>
-              <a:t>отраслевых стационаров</a:t>
-            </a:r>
-            <a:r>
-              <a:rPr lang="ru-RU" sz="2000" dirty="0">
-                <a:latin typeface="Times New Roman" pitchFamily="18" charset="0"/>
-                <a:cs typeface="Times New Roman" pitchFamily="18" charset="0"/>
-              </a:rPr>
-              <a:t>, поликлиник и </a:t>
-            </a:r>
-            <a:r>
-              <a:rPr lang="ru-RU" sz="2000" dirty="0" smtClean="0">
-                <a:latin typeface="Times New Roman" pitchFamily="18" charset="0"/>
-                <a:cs typeface="Times New Roman" pitchFamily="18" charset="0"/>
-              </a:rPr>
-              <a:t>санаториев</a:t>
-            </a:r>
-            <a:r>
-              <a:rPr lang="ru-RU" sz="2000" dirty="0">
-                <a:latin typeface="Times New Roman" pitchFamily="18" charset="0"/>
-                <a:cs typeface="Times New Roman" pitchFamily="18" charset="0"/>
-              </a:rPr>
-              <a:t>. </a:t>
+              <a:t>основные игроки.</a:t>
             </a:r>
           </a:p>
           <a:p>
@@ -16685,79 +15882,29 @@
               <a:spcBef>
                 <a:spcPct val="20000"/>
               </a:spcBef>
-              <a:buFont typeface="+mj-lt"/>
+              <a:buFont typeface="Calibri" pitchFamily="34" charset="0"/>
               <a:buAutoNum type="arabicPeriod"/>
-              <a:defRPr/>
             </a:pPr>
             <a:r>
               <a:rPr lang="ru-RU" sz="2000" dirty="0">
                 <a:latin typeface="Times New Roman" pitchFamily="18" charset="0"/>
                 <a:cs typeface="Times New Roman" pitchFamily="18" charset="0"/>
               </a:rPr>
-              <a:t>Устройства цифровой медицины – </a:t>
-            </a:r>
-            <a:r>
-              <a:rPr lang="ru-RU" sz="2000" dirty="0" err="1">
-                <a:latin typeface="Times New Roman" pitchFamily="18" charset="0"/>
-                <a:cs typeface="Times New Roman" pitchFamily="18" charset="0"/>
-              </a:rPr>
-              <a:t>интернет-вещи</a:t>
+              <a:t>     </a:t>
+            </a:r>
+            <a:r>
+              <a:rPr lang="ru-RU" sz="2000" dirty="0" smtClean="0">
+                <a:latin typeface="Times New Roman" pitchFamily="18" charset="0"/>
+                <a:cs typeface="Times New Roman" pitchFamily="18" charset="0"/>
+              </a:rPr>
+              <a:t>– </a:t>
             </a:r>
             <a:r>
               <a:rPr lang="ru-RU" sz="2000" dirty="0">
                 <a:latin typeface="Times New Roman" pitchFamily="18" charset="0"/>
                 <a:cs typeface="Times New Roman" pitchFamily="18" charset="0"/>
               </a:rPr>
-              <a:t> (</a:t>
-            </a:r>
-            <a:r>
-              <a:rPr lang="ru-RU" sz="2000" dirty="0" err="1">
-                <a:latin typeface="Times New Roman" pitchFamily="18" charset="0"/>
-                <a:cs typeface="Times New Roman" pitchFamily="18" charset="0"/>
-              </a:rPr>
-              <a:t>IoT</a:t>
-            </a:r>
-            <a:r>
-              <a:rPr lang="ru-RU" sz="2000" dirty="0">
-                <a:latin typeface="Times New Roman" pitchFamily="18" charset="0"/>
-                <a:cs typeface="Times New Roman" pitchFamily="18" charset="0"/>
-              </a:rPr>
-              <a:t>) – носимые </a:t>
-            </a:r>
-            <a:r>
-              <a:rPr lang="ru-RU" sz="2000" dirty="0" smtClean="0">
-                <a:latin typeface="Times New Roman" pitchFamily="18" charset="0"/>
-                <a:cs typeface="Times New Roman" pitchFamily="18" charset="0"/>
-              </a:rPr>
-              <a:t>и </a:t>
-            </a:r>
-            <a:r>
-              <a:rPr lang="ru-RU" sz="2000" dirty="0">
-                <a:latin typeface="Times New Roman" pitchFamily="18" charset="0"/>
-                <a:cs typeface="Times New Roman" pitchFamily="18" charset="0"/>
-              </a:rPr>
-              <a:t>встраиваемые </a:t>
-            </a:r>
-            <a:r>
-              <a:rPr lang="ru-RU" sz="2000" dirty="0" smtClean="0">
-                <a:latin typeface="Times New Roman" pitchFamily="18" charset="0"/>
-                <a:cs typeface="Times New Roman" pitchFamily="18" charset="0"/>
-              </a:rPr>
-              <a:t>устройства </a:t>
-            </a:r>
-            <a:r>
-              <a:rPr lang="ru-RU" sz="2000" dirty="0" err="1">
-                <a:latin typeface="Times New Roman" pitchFamily="18" charset="0"/>
-                <a:cs typeface="Times New Roman" pitchFamily="18" charset="0"/>
-              </a:rPr>
-              <a:t>микроэлекторники</a:t>
-            </a:r>
-            <a:r>
-              <a:rPr lang="ru-RU" sz="2000" dirty="0">
-                <a:latin typeface="Times New Roman" pitchFamily="18" charset="0"/>
-                <a:cs typeface="Times New Roman" pitchFamily="18" charset="0"/>
-              </a:rPr>
-              <a:t> для контроля показателей жизнедеятельности (здоровья) авиаспециалистов.</a:t>
+              <a:t>продукты-заменители.</a:t>
             </a:r>
           </a:p>
           <a:p>
@@ -16765,8 +15912,129 @@
               <a:spcBef>
                 <a:spcPct val="20000"/>
               </a:spcBef>
-              <a:defRPr/>
-            </a:pPr>
+              <a:buFont typeface="Calibri" pitchFamily="34" charset="0"/>
+              <a:buAutoNum type="arabicPeriod"/>
+            </a:pPr>
+            <a:r>
+              <a:rPr lang="ru-RU" sz="2000" dirty="0" smtClean="0">
+                <a:latin typeface="Times New Roman" pitchFamily="18" charset="0"/>
+                <a:cs typeface="Times New Roman" pitchFamily="18" charset="0"/>
+              </a:rPr>
+              <a:t>     – </a:t>
+            </a:r>
+            <a:r>
+              <a:rPr lang="ru-RU" sz="2000" dirty="0">
+                <a:latin typeface="Times New Roman" pitchFamily="18" charset="0"/>
+                <a:cs typeface="Times New Roman" pitchFamily="18" charset="0"/>
+              </a:rPr>
+              <a:t>новые игроки.</a:t>
+            </a:r>
+          </a:p>
+          <a:p>
+            <a:pPr marL="457200" indent="-457200">
+              <a:spcBef>
+                <a:spcPct val="20000"/>
+              </a:spcBef>
+              <a:buFont typeface="Calibri" pitchFamily="34" charset="0"/>
+              <a:buAutoNum type="arabicPeriod"/>
+            </a:pPr>
+            <a:r>
+              <a:rPr lang="ru-RU" sz="2000" dirty="0" smtClean="0">
+                <a:latin typeface="Times New Roman" pitchFamily="18" charset="0"/>
+                <a:cs typeface="Times New Roman" pitchFamily="18" charset="0"/>
+              </a:rPr>
+              <a:t>     – </a:t>
+            </a:r>
+            <a:r>
+              <a:rPr lang="ru-RU" sz="2000" dirty="0">
+                <a:latin typeface="Times New Roman" pitchFamily="18" charset="0"/>
+                <a:cs typeface="Times New Roman" pitchFamily="18" charset="0"/>
+              </a:rPr>
+              <a:t>поставщики.</a:t>
+            </a:r>
+          </a:p>
+          <a:p>
+            <a:pPr marL="457200" indent="-457200">
+              <a:spcBef>
+                <a:spcPct val="20000"/>
+              </a:spcBef>
+              <a:buFont typeface="Calibri" pitchFamily="34" charset="0"/>
+              <a:buAutoNum type="arabicPeriod"/>
+            </a:pPr>
+            <a:r>
+              <a:rPr lang="ru-RU" sz="2000" dirty="0" smtClean="0">
+                <a:latin typeface="Times New Roman" pitchFamily="18" charset="0"/>
+                <a:cs typeface="Times New Roman" pitchFamily="18" charset="0"/>
+              </a:rPr>
+              <a:t>     – </a:t>
+            </a:r>
+            <a:r>
+              <a:rPr lang="ru-RU" sz="2000" dirty="0">
+                <a:latin typeface="Times New Roman" pitchFamily="18" charset="0"/>
+                <a:cs typeface="Times New Roman" pitchFamily="18" charset="0"/>
+              </a:rPr>
+              <a:t>потребители.</a:t>
+            </a:r>
+          </a:p>
+          <a:p>
+            <a:pPr marL="457200" indent="-457200">
+              <a:spcBef>
+                <a:spcPct val="20000"/>
+              </a:spcBef>
+              <a:buFont typeface="Calibri" pitchFamily="34" charset="0"/>
+              <a:buAutoNum type="arabicPeriod"/>
+            </a:pPr>
+            <a:r>
+              <a:rPr lang="ru-RU" sz="2000" dirty="0" smtClean="0">
+                <a:latin typeface="Times New Roman" pitchFamily="18" charset="0"/>
+                <a:cs typeface="Times New Roman" pitchFamily="18" charset="0"/>
+              </a:rPr>
+              <a:t>     – </a:t>
+            </a:r>
+            <a:r>
+              <a:rPr lang="ru-RU" sz="2000" dirty="0" err="1">
+                <a:latin typeface="Times New Roman" pitchFamily="18" charset="0"/>
+                <a:cs typeface="Times New Roman" pitchFamily="18" charset="0"/>
+              </a:rPr>
+              <a:t>комплементоры</a:t>
+            </a:r>
+            <a:r>
+              <a:rPr lang="ru-RU" sz="2000" dirty="0" smtClean="0">
+                <a:latin typeface="Times New Roman" pitchFamily="18" charset="0"/>
+                <a:cs typeface="Times New Roman" pitchFamily="18" charset="0"/>
+              </a:rPr>
+              <a:t>.</a:t>
+            </a:r>
+          </a:p>
+          <a:p>
+            <a:pPr marL="457200" indent="-457200">
+              <a:spcBef>
+                <a:spcPct val="20000"/>
+              </a:spcBef>
+              <a:buFont typeface="Calibri" pitchFamily="34" charset="0"/>
+              <a:buAutoNum type="arabicPeriod"/>
+            </a:pPr>
+            <a:r>
+              <a:rPr lang="ru-RU" sz="2000" dirty="0" smtClean="0">
+                <a:latin typeface="Times New Roman" pitchFamily="18" charset="0"/>
+                <a:cs typeface="Times New Roman" pitchFamily="18" charset="0"/>
+              </a:rPr>
+              <a:t>     – </a:t>
+            </a:r>
+            <a:r>
+              <a:rPr lang="ru-RU" sz="2000" dirty="0" err="1" smtClean="0">
+                <a:latin typeface="Times New Roman" pitchFamily="18" charset="0"/>
+                <a:cs typeface="Times New Roman" pitchFamily="18" charset="0"/>
+              </a:rPr>
+              <a:t>инфлюенторы</a:t>
+            </a:r>
+            <a:r>
+              <a:rPr lang="ru-RU" sz="2000" dirty="0" smtClean="0">
+                <a:latin typeface="Times New Roman" pitchFamily="18" charset="0"/>
+                <a:cs typeface="Times New Roman" pitchFamily="18" charset="0"/>
+              </a:rPr>
+              <a:t>.  </a:t>
+            </a:r>
             <a:endParaRPr lang="ru-RU" sz="2000" dirty="0">
               <a:latin typeface="Times New Roman" pitchFamily="18" charset="0"/>
               <a:cs typeface="Times New Roman" pitchFamily="18" charset="0"/>
@@ -16777,15 +16045,812 @@
               <a:spcBef>
                 <a:spcPct val="20000"/>
               </a:spcBef>
-              <a:defRPr/>
-            </a:pPr>
-            <a:endParaRPr lang="ru-RU" sz="2400" dirty="0">
+              <a:buFont typeface="Calibri" pitchFamily="34" charset="0"/>
+              <a:buAutoNum type="arabicPeriod"/>
+            </a:pPr>
+            <a:endParaRPr lang="ru-RU" sz="2000" dirty="0">
               <a:latin typeface="Times New Roman" pitchFamily="18" charset="0"/>
               <a:cs typeface="Times New Roman" pitchFamily="18" charset="0"/>
             </a:endParaRPr>
           </a:p>
-        </p:txBody>
-      </p:sp>
+          <a:p>
+            <a:pPr>
+              <a:spcBef>
+                <a:spcPct val="20000"/>
+              </a:spcBef>
+            </a:pPr>
+            <a:r>
+              <a:rPr lang="ru-RU" sz="2000" dirty="0" smtClean="0">
+                <a:latin typeface="Times New Roman" pitchFamily="18" charset="0"/>
+                <a:cs typeface="Times New Roman" pitchFamily="18" charset="0"/>
+              </a:rPr>
+              <a:t>           –</a:t>
+            </a:r>
+            <a:r>
+              <a:rPr lang="en-US" sz="2000" dirty="0" smtClean="0">
+                <a:latin typeface="Times New Roman" pitchFamily="18" charset="0"/>
+                <a:cs typeface="Times New Roman" pitchFamily="18" charset="0"/>
+              </a:rPr>
+              <a:t> </a:t>
+            </a:r>
+            <a:r>
+              <a:rPr lang="ru-RU" sz="2000" dirty="0" smtClean="0">
+                <a:latin typeface="Times New Roman" pitchFamily="18" charset="0"/>
+                <a:cs typeface="Times New Roman" pitchFamily="18" charset="0"/>
+              </a:rPr>
+              <a:t>множество агентов, являющихся игроками в многошаговой некооперативной игре. </a:t>
+            </a:r>
+          </a:p>
+          <a:p>
+            <a:pPr>
+              <a:spcBef>
+                <a:spcPct val="20000"/>
+              </a:spcBef>
+            </a:pPr>
+            <a:r>
+              <a:rPr lang="ru-RU" sz="2000" dirty="0" smtClean="0">
+                <a:latin typeface="Times New Roman" pitchFamily="18" charset="0"/>
+                <a:cs typeface="Times New Roman" pitchFamily="18" charset="0"/>
+              </a:rPr>
+              <a:t>В роли агентов выступают компании, соответствующие силам, наследующие их свойства, и взаимодействующие между собой.</a:t>
+            </a:r>
+            <a:endParaRPr lang="ru-RU" sz="2000" dirty="0">
+              <a:latin typeface="Times New Roman" pitchFamily="18" charset="0"/>
+              <a:cs typeface="Times New Roman" pitchFamily="18" charset="0"/>
+            </a:endParaRPr>
+          </a:p>
+        </p:txBody>
+      </p:sp>
+      <p:sp>
+        <p:nvSpPr>
+          <p:cNvPr id="10254" name="Rectangle 14"/>
+          <p:cNvSpPr>
+            <a:spLocks noChangeArrowheads="1"/>
+          </p:cNvSpPr>
+          <p:nvPr/>
+        </p:nvSpPr>
+        <p:spPr bwMode="auto">
+          <a:xfrm>
+            <a:off x="0" y="0"/>
+            <a:ext cx="9144000" cy="0"/>
+          </a:xfrm>
+          <a:prstGeom prst="rect">
+            <a:avLst/>
+          </a:prstGeom>
+          <a:noFill/>
+          <a:ln w="9525">
+            <a:noFill/>
+            <a:miter lim="800000"/>
+            <a:headEnd/>
+            <a:tailEnd/>
+          </a:ln>
+          <a:effectLst/>
+        </p:spPr>
+        <p:txBody>
+          <a:bodyPr vert="horz" wrap="none" lIns="91440" tIns="45720" rIns="91440" bIns="45720" numCol="1" anchor="ctr" anchorCtr="0" compatLnSpc="1">
+            <a:prstTxWarp prst="textNoShape">
+              <a:avLst/>
+            </a:prstTxWarp>
+            <a:spAutoFit/>
+          </a:bodyPr>
+          <a:lstStyle/>
+          <a:p>
+            <a:endParaRPr lang="ru-RU"/>
+          </a:p>
+        </p:txBody>
+      </p:sp>
+      <p:pic>
+        <p:nvPicPr>
+          <p:cNvPr id="10253" name="Picture 13"/>
+          <p:cNvPicPr>
+            <a:picLocks noChangeAspect="1" noChangeArrowheads="1"/>
+          </p:cNvPicPr>
+          <p:nvPr/>
+        </p:nvPicPr>
+        <p:blipFill>
+          <a:blip r:embed="rId2" cstate="print">
+            <a:clrChange>
+              <a:clrFrom>
+                <a:srgbClr val="FFFFFF"/>
+              </a:clrFrom>
+              <a:clrTo>
+                <a:srgbClr val="FFFFFF">
+                  <a:alpha val="0"/>
+                </a:srgbClr>
+              </a:clrTo>
+            </a:clrChange>
+          </a:blip>
+          <a:srcRect/>
+          <a:stretch>
+            <a:fillRect/>
+          </a:stretch>
+        </p:blipFill>
+        <p:spPr bwMode="auto">
+          <a:xfrm>
+            <a:off x="2483768" y="1196752"/>
+            <a:ext cx="4181475" cy="390525"/>
+          </a:xfrm>
+          <a:prstGeom prst="rect">
+            <a:avLst/>
+          </a:prstGeom>
+          <a:noFill/>
+        </p:spPr>
+      </p:pic>
+      <p:sp>
+        <p:nvSpPr>
+          <p:cNvPr id="10256" name="Rectangle 16"/>
+          <p:cNvSpPr>
+            <a:spLocks noChangeArrowheads="1"/>
+          </p:cNvSpPr>
+          <p:nvPr/>
+        </p:nvSpPr>
+        <p:spPr bwMode="auto">
+          <a:xfrm>
+            <a:off x="0" y="0"/>
+            <a:ext cx="9144000" cy="0"/>
+          </a:xfrm>
+          <a:prstGeom prst="rect">
+            <a:avLst/>
+          </a:prstGeom>
+          <a:noFill/>
+          <a:ln w="9525">
+            <a:noFill/>
+            <a:miter lim="800000"/>
+            <a:headEnd/>
+            <a:tailEnd/>
+          </a:ln>
+          <a:effectLst/>
+        </p:spPr>
+        <p:txBody>
+          <a:bodyPr vert="horz" wrap="none" lIns="91440" tIns="45720" rIns="91440" bIns="45720" numCol="1" anchor="ctr" anchorCtr="0" compatLnSpc="1">
+            <a:prstTxWarp prst="textNoShape">
+              <a:avLst/>
+            </a:prstTxWarp>
+            <a:spAutoFit/>
+          </a:bodyPr>
+          <a:lstStyle/>
+          <a:p>
+            <a:endParaRPr lang="ru-RU"/>
+          </a:p>
+        </p:txBody>
+      </p:sp>
+      <p:pic>
+        <p:nvPicPr>
+          <p:cNvPr id="10255" name="Picture 15"/>
+          <p:cNvPicPr>
+            <a:picLocks noChangeAspect="1" noChangeArrowheads="1"/>
+          </p:cNvPicPr>
+          <p:nvPr/>
+        </p:nvPicPr>
+        <p:blipFill>
+          <a:blip r:embed="rId3" cstate="print">
+            <a:clrChange>
+              <a:clrFrom>
+                <a:srgbClr val="FFFFFF"/>
+              </a:clrFrom>
+              <a:clrTo>
+                <a:srgbClr val="FFFFFF">
+                  <a:alpha val="0"/>
+                </a:srgbClr>
+              </a:clrTo>
+            </a:clrChange>
+          </a:blip>
+          <a:srcRect/>
+          <a:stretch>
+            <a:fillRect/>
+          </a:stretch>
+        </p:blipFill>
+        <p:spPr bwMode="auto">
+          <a:xfrm>
+            <a:off x="3800847" y="4149080"/>
+            <a:ext cx="1419225" cy="457200"/>
+          </a:xfrm>
+          <a:prstGeom prst="rect">
+            <a:avLst/>
+          </a:prstGeom>
+          <a:noFill/>
+        </p:spPr>
+      </p:pic>
+      <p:sp>
+        <p:nvSpPr>
+          <p:cNvPr id="10258" name="Rectangle 18"/>
+          <p:cNvSpPr>
+            <a:spLocks noChangeArrowheads="1"/>
+          </p:cNvSpPr>
+          <p:nvPr/>
+        </p:nvSpPr>
+        <p:spPr bwMode="auto">
+          <a:xfrm>
+            <a:off x="0" y="0"/>
+            <a:ext cx="9144000" cy="0"/>
+          </a:xfrm>
+          <a:prstGeom prst="rect">
+            <a:avLst/>
+          </a:prstGeom>
+          <a:noFill/>
+          <a:ln w="9525">
+            <a:noFill/>
+            <a:miter lim="800000"/>
+            <a:headEnd/>
+            <a:tailEnd/>
+          </a:ln>
+          <a:effectLst/>
+        </p:spPr>
+        <p:txBody>
+          <a:bodyPr vert="horz" wrap="none" lIns="91440" tIns="45720" rIns="91440" bIns="45720" numCol="1" anchor="ctr" anchorCtr="0" compatLnSpc="1">
+            <a:prstTxWarp prst="textNoShape">
+              <a:avLst/>
+            </a:prstTxWarp>
+            <a:spAutoFit/>
+          </a:bodyPr>
+          <a:lstStyle/>
+          <a:p>
+            <a:endParaRPr lang="ru-RU"/>
+          </a:p>
+        </p:txBody>
+      </p:sp>
+      <p:pic>
+        <p:nvPicPr>
+          <p:cNvPr id="10257" name="Picture 17"/>
+          <p:cNvPicPr>
+            <a:picLocks noChangeAspect="1" noChangeArrowheads="1"/>
+          </p:cNvPicPr>
+          <p:nvPr/>
+        </p:nvPicPr>
+        <p:blipFill>
+          <a:blip r:embed="rId4" cstate="print">
+            <a:clrChange>
+              <a:clrFrom>
+                <a:srgbClr val="FFFFFF"/>
+              </a:clrFrom>
+              <a:clrTo>
+                <a:srgbClr val="FFFFFF">
+                  <a:alpha val="0"/>
+                </a:srgbClr>
+              </a:clrTo>
+            </a:clrChange>
+          </a:blip>
+          <a:srcRect/>
+          <a:stretch>
+            <a:fillRect/>
+          </a:stretch>
+        </p:blipFill>
+        <p:spPr bwMode="auto">
+          <a:xfrm>
+            <a:off x="511349" y="4509120"/>
+            <a:ext cx="676275" cy="457200"/>
+          </a:xfrm>
+          <a:prstGeom prst="rect">
+            <a:avLst/>
+          </a:prstGeom>
+          <a:noFill/>
+        </p:spPr>
+      </p:pic>
+      <p:sp>
+        <p:nvSpPr>
+          <p:cNvPr id="10260" name="Rectangle 20"/>
+          <p:cNvSpPr>
+            <a:spLocks noChangeArrowheads="1"/>
+          </p:cNvSpPr>
+          <p:nvPr/>
+        </p:nvSpPr>
+        <p:spPr bwMode="auto">
+          <a:xfrm>
+            <a:off x="0" y="0"/>
+            <a:ext cx="9144000" cy="0"/>
+          </a:xfrm>
+          <a:prstGeom prst="rect">
+            <a:avLst/>
+          </a:prstGeom>
+          <a:noFill/>
+          <a:ln w="9525">
+            <a:noFill/>
+            <a:miter lim="800000"/>
+            <a:headEnd/>
+            <a:tailEnd/>
+          </a:ln>
+          <a:effectLst/>
+        </p:spPr>
+        <p:txBody>
+          <a:bodyPr vert="horz" wrap="none" lIns="91440" tIns="45720" rIns="91440" bIns="45720" numCol="1" anchor="ctr" anchorCtr="0" compatLnSpc="1">
+            <a:prstTxWarp prst="textNoShape">
+              <a:avLst/>
+            </a:prstTxWarp>
+            <a:spAutoFit/>
+          </a:bodyPr>
+          <a:lstStyle/>
+          <a:p>
+            <a:endParaRPr lang="ru-RU"/>
+          </a:p>
+        </p:txBody>
+      </p:sp>
+      <p:pic>
+        <p:nvPicPr>
+          <p:cNvPr id="10259" name="Picture 19"/>
+          <p:cNvPicPr>
+            <a:picLocks noChangeAspect="1" noChangeArrowheads="1"/>
+          </p:cNvPicPr>
+          <p:nvPr/>
+        </p:nvPicPr>
+        <p:blipFill>
+          <a:blip r:embed="rId5" cstate="print">
+            <a:clrChange>
+              <a:clrFrom>
+                <a:srgbClr val="FFFFFF"/>
+              </a:clrFrom>
+              <a:clrTo>
+                <a:srgbClr val="FFFFFF">
+                  <a:alpha val="0"/>
+                </a:srgbClr>
+              </a:clrTo>
+            </a:clrChange>
+          </a:blip>
+          <a:srcRect/>
+          <a:stretch>
+            <a:fillRect/>
+          </a:stretch>
+        </p:blipFill>
+        <p:spPr bwMode="auto">
+          <a:xfrm>
+            <a:off x="899592" y="1628800"/>
+            <a:ext cx="342900" cy="390525"/>
+          </a:xfrm>
+          <a:prstGeom prst="rect">
+            <a:avLst/>
+          </a:prstGeom>
+          <a:noFill/>
+        </p:spPr>
+      </p:pic>
+      <p:sp>
+        <p:nvSpPr>
+          <p:cNvPr id="10262" name="Rectangle 22"/>
+          <p:cNvSpPr>
+            <a:spLocks noChangeArrowheads="1"/>
+          </p:cNvSpPr>
+          <p:nvPr/>
+        </p:nvSpPr>
+        <p:spPr bwMode="auto">
+          <a:xfrm>
+            <a:off x="0" y="0"/>
+            <a:ext cx="9144000" cy="0"/>
+          </a:xfrm>
+          <a:prstGeom prst="rect">
+            <a:avLst/>
+          </a:prstGeom>
+          <a:noFill/>
+          <a:ln w="9525">
+            <a:noFill/>
+            <a:miter lim="800000"/>
+            <a:headEnd/>
+            <a:tailEnd/>
+          </a:ln>
+          <a:effectLst/>
+        </p:spPr>
+        <p:txBody>
+          <a:bodyPr vert="horz" wrap="none" lIns="91440" tIns="45720" rIns="91440" bIns="45720" numCol="1" anchor="ctr" anchorCtr="0" compatLnSpc="1">
+            <a:prstTxWarp prst="textNoShape">
+              <a:avLst/>
+            </a:prstTxWarp>
+            <a:spAutoFit/>
+          </a:bodyPr>
+          <a:lstStyle/>
+          <a:p>
+            <a:endParaRPr lang="ru-RU"/>
+          </a:p>
+        </p:txBody>
+      </p:sp>
+      <p:pic>
+        <p:nvPicPr>
+          <p:cNvPr id="10261" name="Picture 21"/>
+          <p:cNvPicPr>
+            <a:picLocks noChangeAspect="1" noChangeArrowheads="1"/>
+          </p:cNvPicPr>
+          <p:nvPr/>
+        </p:nvPicPr>
+        <p:blipFill>
+          <a:blip r:embed="rId6" cstate="print">
+            <a:clrChange>
+              <a:clrFrom>
+                <a:srgbClr val="FFFFFF"/>
+              </a:clrFrom>
+              <a:clrTo>
+                <a:srgbClr val="FFFFFF">
+                  <a:alpha val="0"/>
+                </a:srgbClr>
+              </a:clrTo>
+            </a:clrChange>
+          </a:blip>
+          <a:srcRect/>
+          <a:stretch>
+            <a:fillRect/>
+          </a:stretch>
+        </p:blipFill>
+        <p:spPr bwMode="auto">
+          <a:xfrm>
+            <a:off x="899592" y="1988840"/>
+            <a:ext cx="352425" cy="390525"/>
+          </a:xfrm>
+          <a:prstGeom prst="rect">
+            <a:avLst/>
+          </a:prstGeom>
+          <a:noFill/>
+        </p:spPr>
+      </p:pic>
+      <p:sp>
+        <p:nvSpPr>
+          <p:cNvPr id="10264" name="Rectangle 24"/>
+          <p:cNvSpPr>
+            <a:spLocks noChangeArrowheads="1"/>
+          </p:cNvSpPr>
+          <p:nvPr/>
+        </p:nvSpPr>
+        <p:spPr bwMode="auto">
+          <a:xfrm>
+            <a:off x="0" y="0"/>
+            <a:ext cx="9144000" cy="0"/>
+          </a:xfrm>
+          <a:prstGeom prst="rect">
+            <a:avLst/>
+          </a:prstGeom>
+          <a:noFill/>
+          <a:ln w="9525">
+            <a:noFill/>
+            <a:miter lim="800000"/>
+            <a:headEnd/>
+            <a:tailEnd/>
+          </a:ln>
+          <a:effectLst/>
+        </p:spPr>
+        <p:txBody>
+          <a:bodyPr vert="horz" wrap="none" lIns="91440" tIns="45720" rIns="91440" bIns="45720" numCol="1" anchor="ctr" anchorCtr="0" compatLnSpc="1">
+            <a:prstTxWarp prst="textNoShape">
+              <a:avLst/>
+            </a:prstTxWarp>
+            <a:spAutoFit/>
+          </a:bodyPr>
+          <a:lstStyle/>
+          <a:p>
+            <a:endParaRPr lang="ru-RU"/>
+          </a:p>
+        </p:txBody>
+      </p:sp>
+      <p:pic>
+        <p:nvPicPr>
+          <p:cNvPr id="10263" name="Picture 23"/>
+          <p:cNvPicPr>
+            <a:picLocks noChangeAspect="1" noChangeArrowheads="1"/>
+          </p:cNvPicPr>
+          <p:nvPr/>
+        </p:nvPicPr>
+        <p:blipFill>
+          <a:blip r:embed="rId7" cstate="print">
+            <a:clrChange>
+              <a:clrFrom>
+                <a:srgbClr val="FFFFFF"/>
+              </a:clrFrom>
+              <a:clrTo>
+                <a:srgbClr val="FFFFFF">
+                  <a:alpha val="0"/>
+                </a:srgbClr>
+              </a:clrTo>
+            </a:clrChange>
+          </a:blip>
+          <a:srcRect/>
+          <a:stretch>
+            <a:fillRect/>
+          </a:stretch>
+        </p:blipFill>
+        <p:spPr bwMode="auto">
+          <a:xfrm>
+            <a:off x="899592" y="2348880"/>
+            <a:ext cx="352425" cy="390525"/>
+          </a:xfrm>
+          <a:prstGeom prst="rect">
+            <a:avLst/>
+          </a:prstGeom>
+          <a:noFill/>
+        </p:spPr>
+      </p:pic>
+      <p:sp>
+        <p:nvSpPr>
+          <p:cNvPr id="10266" name="Rectangle 26"/>
+          <p:cNvSpPr>
+            <a:spLocks noChangeArrowheads="1"/>
+          </p:cNvSpPr>
+          <p:nvPr/>
+        </p:nvSpPr>
+        <p:spPr bwMode="auto">
+          <a:xfrm>
+            <a:off x="0" y="0"/>
+            <a:ext cx="9144000" cy="0"/>
+          </a:xfrm>
+          <a:prstGeom prst="rect">
+            <a:avLst/>
+          </a:prstGeom>
+          <a:noFill/>
+          <a:ln w="9525">
+            <a:noFill/>
+            <a:miter lim="800000"/>
+            <a:headEnd/>
+            <a:tailEnd/>
+          </a:ln>
+          <a:effectLst/>
+        </p:spPr>
+        <p:txBody>
+          <a:bodyPr vert="horz" wrap="none" lIns="91440" tIns="45720" rIns="91440" bIns="45720" numCol="1" anchor="ctr" anchorCtr="0" compatLnSpc="1">
+            <a:prstTxWarp prst="textNoShape">
+              <a:avLst/>
+            </a:prstTxWarp>
+            <a:spAutoFit/>
+          </a:bodyPr>
+          <a:lstStyle/>
+          <a:p>
+            <a:endParaRPr lang="ru-RU"/>
+          </a:p>
+        </p:txBody>
+      </p:sp>
+      <p:pic>
+        <p:nvPicPr>
+          <p:cNvPr id="10265" name="Picture 25"/>
+          <p:cNvPicPr>
+            <a:picLocks noChangeAspect="1" noChangeArrowheads="1"/>
+          </p:cNvPicPr>
+          <p:nvPr/>
+        </p:nvPicPr>
+        <p:blipFill>
+          <a:blip r:embed="rId8" cstate="print">
+            <a:clrChange>
+              <a:clrFrom>
+                <a:srgbClr val="FFFFFF"/>
+              </a:clrFrom>
+              <a:clrTo>
+                <a:srgbClr val="FFFFFF">
+                  <a:alpha val="0"/>
+                </a:srgbClr>
+              </a:clrTo>
+            </a:clrChange>
+          </a:blip>
+          <a:srcRect/>
+          <a:stretch>
+            <a:fillRect/>
+          </a:stretch>
+        </p:blipFill>
+        <p:spPr bwMode="auto">
+          <a:xfrm>
+            <a:off x="899592" y="2708920"/>
+            <a:ext cx="352425" cy="390525"/>
+          </a:xfrm>
+          <a:prstGeom prst="rect">
+            <a:avLst/>
+          </a:prstGeom>
+          <a:noFill/>
+        </p:spPr>
+      </p:pic>
+      <p:sp>
+        <p:nvSpPr>
+          <p:cNvPr id="10268" name="Rectangle 28"/>
+          <p:cNvSpPr>
+            <a:spLocks noChangeArrowheads="1"/>
+          </p:cNvSpPr>
+          <p:nvPr/>
+        </p:nvSpPr>
+        <p:spPr bwMode="auto">
+          <a:xfrm>
+            <a:off x="0" y="0"/>
+            <a:ext cx="9144000" cy="0"/>
+          </a:xfrm>
+          <a:prstGeom prst="rect">
+            <a:avLst/>
+          </a:prstGeom>
+          <a:noFill/>
+          <a:ln w="9525">
+            <a:noFill/>
+            <a:miter lim="800000"/>
+            <a:headEnd/>
+            <a:tailEnd/>
+          </a:ln>
+          <a:effectLst/>
+        </p:spPr>
+        <p:txBody>
+          <a:bodyPr vert="horz" wrap="none" lIns="91440" tIns="45720" rIns="91440" bIns="45720" numCol="1" anchor="ctr" anchorCtr="0" compatLnSpc="1">
+            <a:prstTxWarp prst="textNoShape">
+              <a:avLst/>
+            </a:prstTxWarp>
+            <a:spAutoFit/>
+          </a:bodyPr>
+          <a:lstStyle/>
+          <a:p>
+            <a:endParaRPr lang="ru-RU"/>
+          </a:p>
+        </p:txBody>
+      </p:sp>
+      <p:pic>
+        <p:nvPicPr>
+          <p:cNvPr id="10267" name="Picture 27"/>
+          <p:cNvPicPr>
+            <a:picLocks noChangeAspect="1" noChangeArrowheads="1"/>
+          </p:cNvPicPr>
+          <p:nvPr/>
+        </p:nvPicPr>
+        <p:blipFill>
+          <a:blip r:embed="rId9" cstate="print">
+            <a:clrChange>
+              <a:clrFrom>
+                <a:srgbClr val="FFFFFF"/>
+              </a:clrFrom>
+              <a:clrTo>
+                <a:srgbClr val="FFFFFF">
+                  <a:alpha val="0"/>
+                </a:srgbClr>
+              </a:clrTo>
+            </a:clrChange>
+          </a:blip>
+          <a:srcRect/>
+          <a:stretch>
+            <a:fillRect/>
+          </a:stretch>
+        </p:blipFill>
+        <p:spPr bwMode="auto">
+          <a:xfrm>
+            <a:off x="899592" y="3068960"/>
+            <a:ext cx="352425" cy="390525"/>
+          </a:xfrm>
+          <a:prstGeom prst="rect">
+            <a:avLst/>
+          </a:prstGeom>
+          <a:noFill/>
+        </p:spPr>
+      </p:pic>
+      <p:sp>
+        <p:nvSpPr>
+          <p:cNvPr id="10270" name="Rectangle 30"/>
+          <p:cNvSpPr>
+            <a:spLocks noChangeArrowheads="1"/>
+          </p:cNvSpPr>
+          <p:nvPr/>
+        </p:nvSpPr>
+        <p:spPr bwMode="auto">
+          <a:xfrm>
+            <a:off x="0" y="0"/>
+            <a:ext cx="9144000" cy="0"/>
+          </a:xfrm>
+          <a:prstGeom prst="rect">
+            <a:avLst/>
+          </a:prstGeom>
+          <a:noFill/>
+          <a:ln w="9525">
+            <a:noFill/>
+            <a:miter lim="800000"/>
+            <a:headEnd/>
+            <a:tailEnd/>
+          </a:ln>
+          <a:effectLst/>
+        </p:spPr>
+        <p:txBody>
+          <a:bodyPr vert="horz" wrap="none" lIns="91440" tIns="45720" rIns="91440" bIns="45720" numCol="1" anchor="ctr" anchorCtr="0" compatLnSpc="1">
+            <a:prstTxWarp prst="textNoShape">
+              <a:avLst/>
+            </a:prstTxWarp>
+            <a:spAutoFit/>
+          </a:bodyPr>
+          <a:lstStyle/>
+          <a:p>
+            <a:endParaRPr lang="ru-RU"/>
+          </a:p>
+        </p:txBody>
+      </p:sp>
+      <p:pic>
+        <p:nvPicPr>
+          <p:cNvPr id="10269" name="Picture 29"/>
+          <p:cNvPicPr>
+            <a:picLocks noChangeAspect="1" noChangeArrowheads="1"/>
+          </p:cNvPicPr>
+          <p:nvPr/>
+        </p:nvPicPr>
+        <p:blipFill>
+          <a:blip r:embed="rId10" cstate="print">
+            <a:clrChange>
+              <a:clrFrom>
+                <a:srgbClr val="FFFFFF"/>
+              </a:clrFrom>
+              <a:clrTo>
+                <a:srgbClr val="FFFFFF">
+                  <a:alpha val="0"/>
+                </a:srgbClr>
+              </a:clrTo>
+            </a:clrChange>
+          </a:blip>
+          <a:srcRect/>
+          <a:stretch>
+            <a:fillRect/>
+          </a:stretch>
+        </p:blipFill>
+        <p:spPr bwMode="auto">
+          <a:xfrm>
+            <a:off x="907207" y="3429000"/>
+            <a:ext cx="352425" cy="390525"/>
+          </a:xfrm>
+          <a:prstGeom prst="rect">
+            <a:avLst/>
+          </a:prstGeom>
+          <a:noFill/>
+        </p:spPr>
+      </p:pic>
+      <p:sp>
+        <p:nvSpPr>
+          <p:cNvPr id="10272" name="Rectangle 32"/>
+          <p:cNvSpPr>
+            <a:spLocks noChangeArrowheads="1"/>
+          </p:cNvSpPr>
+          <p:nvPr/>
+        </p:nvSpPr>
+        <p:spPr bwMode="auto">
+          <a:xfrm>
+            <a:off x="0" y="0"/>
+            <a:ext cx="9144000" cy="0"/>
+          </a:xfrm>
+          <a:prstGeom prst="rect">
+            <a:avLst/>
+          </a:prstGeom>
+          <a:noFill/>
+          <a:ln w="9525">
+            <a:noFill/>
+            <a:miter lim="800000"/>
+            <a:headEnd/>
+            <a:tailEnd/>
+          </a:ln>
+          <a:effectLst/>
+        </p:spPr>
+        <p:txBody>
+          <a:bodyPr vert="horz" wrap="none" lIns="91440" tIns="45720" rIns="91440" bIns="45720" numCol="1" anchor="ctr" anchorCtr="0" compatLnSpc="1">
+            <a:prstTxWarp prst="textNoShape">
+              <a:avLst/>
+            </a:prstTxWarp>
+            <a:spAutoFit/>
+          </a:bodyPr>
+          <a:lstStyle/>
+          <a:p>
+            <a:endParaRPr lang="ru-RU"/>
+          </a:p>
+        </p:txBody>
+      </p:sp>
+      <p:pic>
+        <p:nvPicPr>
+          <p:cNvPr id="10271" name="Picture 31"/>
+          <p:cNvPicPr>
+            <a:picLocks noChangeAspect="1" noChangeArrowheads="1"/>
+          </p:cNvPicPr>
+          <p:nvPr/>
+        </p:nvPicPr>
+        <p:blipFill>
+          <a:blip r:embed="rId11" cstate="print">
+            <a:clrChange>
+              <a:clrFrom>
+                <a:srgbClr val="FFFFFF"/>
+              </a:clrFrom>
+              <a:clrTo>
+                <a:srgbClr val="FFFFFF">
+                  <a:alpha val="0"/>
+                </a:srgbClr>
+              </a:clrTo>
+            </a:clrChange>
+          </a:blip>
+          <a:srcRect/>
+          <a:stretch>
+            <a:fillRect/>
+          </a:stretch>
+        </p:blipFill>
+        <p:spPr bwMode="auto">
+          <a:xfrm>
+            <a:off x="899592" y="3789040"/>
+            <a:ext cx="352425" cy="390525"/>
+          </a:xfrm>
+          <a:prstGeom prst="rect">
+            <a:avLst/>
+          </a:prstGeom>
+          <a:noFill/>
+        </p:spPr>
+      </p:pic>
     </p:spTree>
   </p:cSld>
   <p:clrMapOvr>
